--- a/doc/01 概要设计/01 PSI.pptx
+++ b/doc/01 概要设计/01 PSI.pptx
@@ -116,7 +116,7 @@
   </p:defaultTextStyle>
   <p:extLst>
     <p:ext uri="{EFAFB233-063F-42B5-8137-9DF3F51BA10A}">
-      <p15:sldGuideLst xmlns:p15="http://schemas.microsoft.com/office/powerpoint/2012/main" xmlns="">
+      <p15:sldGuideLst xmlns:p15="http://schemas.microsoft.com/office/powerpoint/2012/main">
         <p15:guide id="2" pos="3863" userDrawn="1">
           <p15:clr>
             <a:srgbClr val="A4A3A4"/>
@@ -216,7 +216,7 @@
             <a:fld id="{C86B11F5-5059-4E45-9721-EB94D5B4201D}" type="datetimeFigureOut">
               <a:rPr lang="zh-CN" altLang="en-US" smtClean="0"/>
               <a:pPr/>
-              <a:t>2018/9/17</a:t>
+              <a:t>2019/4/16</a:t>
             </a:fld>
             <a:endParaRPr lang="zh-CN" altLang="en-US"/>
           </a:p>
@@ -385,7 +385,7 @@
     </p:spTree>
     <p:extLst>
       <p:ext uri="{BB962C8B-B14F-4D97-AF65-F5344CB8AC3E}">
-        <p14:creationId xmlns:p14="http://schemas.microsoft.com/office/powerpoint/2010/main" xmlns="" val="2524148835"/>
+        <p14:creationId xmlns:p14="http://schemas.microsoft.com/office/powerpoint/2010/main" val="2524148835"/>
       </p:ext>
     </p:extLst>
   </p:cSld>
@@ -514,7 +514,7 @@
           <a:blip r:embed="rId2" cstate="screen">
             <a:extLst>
               <a:ext uri="{28A0092B-C50C-407E-A947-70E740481C1C}">
-                <a14:useLocalDpi xmlns:a14="http://schemas.microsoft.com/office/drawing/2010/main" xmlns=""/>
+                <a14:useLocalDpi xmlns:a14="http://schemas.microsoft.com/office/drawing/2010/main"/>
               </a:ext>
             </a:extLst>
           </a:blip>
@@ -1117,7 +1117,7 @@
             </a:ln>
             <a:extLst>
               <a:ext uri="{909E8E84-426E-40DD-AFC4-6F175D3DCCD1}">
-                <a14:hiddenFill xmlns:a14="http://schemas.microsoft.com/office/drawing/2010/main" xmlns="">
+                <a14:hiddenFill xmlns:a14="http://schemas.microsoft.com/office/drawing/2010/main">
                   <a:solidFill>
                     <a:srgbClr val="FFFFFF"/>
                   </a:solidFill>
@@ -1165,7 +1165,7 @@
             </a:ln>
             <a:extLst>
               <a:ext uri="{909E8E84-426E-40DD-AFC4-6F175D3DCCD1}">
-                <a14:hiddenFill xmlns:a14="http://schemas.microsoft.com/office/drawing/2010/main" xmlns="">
+                <a14:hiddenFill xmlns:a14="http://schemas.microsoft.com/office/drawing/2010/main">
                   <a:noFill/>
                 </a14:hiddenFill>
               </a:ext>
@@ -1262,7 +1262,7 @@
             </a:ln>
             <a:extLst>
               <a:ext uri="{909E8E84-426E-40DD-AFC4-6F175D3DCCD1}">
-                <a14:hiddenFill xmlns:a14="http://schemas.microsoft.com/office/drawing/2010/main" xmlns="">
+                <a14:hiddenFill xmlns:a14="http://schemas.microsoft.com/office/drawing/2010/main">
                   <a:solidFill>
                     <a:srgbClr val="FFFFFF"/>
                   </a:solidFill>
@@ -3826,7 +3826,7 @@
     </p:spTree>
     <p:extLst>
       <p:ext uri="{BB962C8B-B14F-4D97-AF65-F5344CB8AC3E}">
-        <p14:creationId xmlns:p14="http://schemas.microsoft.com/office/powerpoint/2010/main" xmlns="" val="2830079814"/>
+        <p14:creationId xmlns:p14="http://schemas.microsoft.com/office/powerpoint/2010/main" val="2830079814"/>
       </p:ext>
     </p:extLst>
   </p:cSld>
@@ -3875,7 +3875,7 @@
           <a:blip r:embed="rId2" cstate="screen">
             <a:extLst>
               <a:ext uri="{28A0092B-C50C-407E-A947-70E740481C1C}">
-                <a14:useLocalDpi xmlns:a14="http://schemas.microsoft.com/office/drawing/2010/main" xmlns=""/>
+                <a14:useLocalDpi xmlns:a14="http://schemas.microsoft.com/office/drawing/2010/main"/>
               </a:ext>
             </a:extLst>
           </a:blip>
@@ -3935,7 +3935,7 @@
             </a:ln>
             <a:extLst>
               <a:ext uri="{909E8E84-426E-40DD-AFC4-6F175D3DCCD1}">
-                <a14:hiddenFill xmlns:a14="http://schemas.microsoft.com/office/drawing/2010/main" xmlns="">
+                <a14:hiddenFill xmlns:a14="http://schemas.microsoft.com/office/drawing/2010/main">
                   <a:solidFill>
                     <a:srgbClr val="FFFFFF"/>
                   </a:solidFill>
@@ -3983,7 +3983,7 @@
             </a:ln>
             <a:extLst>
               <a:ext uri="{909E8E84-426E-40DD-AFC4-6F175D3DCCD1}">
-                <a14:hiddenFill xmlns:a14="http://schemas.microsoft.com/office/drawing/2010/main" xmlns="">
+                <a14:hiddenFill xmlns:a14="http://schemas.microsoft.com/office/drawing/2010/main">
                   <a:noFill/>
                 </a14:hiddenFill>
               </a:ext>
@@ -4080,7 +4080,7 @@
             </a:ln>
             <a:extLst>
               <a:ext uri="{909E8E84-426E-40DD-AFC4-6F175D3DCCD1}">
-                <a14:hiddenFill xmlns:a14="http://schemas.microsoft.com/office/drawing/2010/main" xmlns="">
+                <a14:hiddenFill xmlns:a14="http://schemas.microsoft.com/office/drawing/2010/main">
                   <a:solidFill>
                     <a:srgbClr val="FFFFFF"/>
                   </a:solidFill>
@@ -4282,7 +4282,7 @@
           </a:ln>
           <a:extLst>
             <a:ext uri="{91240B29-F687-4F45-9708-019B960494DF}">
-              <a14:hiddenLine xmlns:a14="http://schemas.microsoft.com/office/drawing/2010/main" xmlns="" w="9525">
+              <a14:hiddenLine xmlns:a14="http://schemas.microsoft.com/office/drawing/2010/main" w="9525">
                 <a:solidFill>
                   <a:srgbClr val="000000"/>
                 </a:solidFill>
@@ -4622,7 +4622,7 @@
               </a:ln>
               <a:extLst>
                 <a:ext uri="{91240B29-F687-4F45-9708-019B960494DF}">
-                  <a14:hiddenLine xmlns:a14="http://schemas.microsoft.com/office/drawing/2010/main" xmlns="" w="9525">
+                  <a14:hiddenLine xmlns:a14="http://schemas.microsoft.com/office/drawing/2010/main" w="9525">
                     <a:solidFill>
                       <a:srgbClr val="000000"/>
                     </a:solidFill>
@@ -4795,7 +4795,7 @@
               </a:ln>
               <a:extLst>
                 <a:ext uri="{91240B29-F687-4F45-9708-019B960494DF}">
-                  <a14:hiddenLine xmlns:a14="http://schemas.microsoft.com/office/drawing/2010/main" xmlns="" w="9525">
+                  <a14:hiddenLine xmlns:a14="http://schemas.microsoft.com/office/drawing/2010/main" w="9525">
                     <a:solidFill>
                       <a:srgbClr val="000000"/>
                     </a:solidFill>
@@ -4958,7 +4958,7 @@
               </a:ln>
               <a:extLst>
                 <a:ext uri="{91240B29-F687-4F45-9708-019B960494DF}">
-                  <a14:hiddenLine xmlns:a14="http://schemas.microsoft.com/office/drawing/2010/main" xmlns="" w="9525">
+                  <a14:hiddenLine xmlns:a14="http://schemas.microsoft.com/office/drawing/2010/main" w="9525">
                     <a:solidFill>
                       <a:srgbClr val="000000"/>
                     </a:solidFill>
@@ -5160,7 +5160,7 @@
               </a:ln>
               <a:extLst>
                 <a:ext uri="{91240B29-F687-4F45-9708-019B960494DF}">
-                  <a14:hiddenLine xmlns:a14="http://schemas.microsoft.com/office/drawing/2010/main" xmlns="" w="9525">
+                  <a14:hiddenLine xmlns:a14="http://schemas.microsoft.com/office/drawing/2010/main" w="9525">
                     <a:solidFill>
                       <a:srgbClr val="000000"/>
                     </a:solidFill>
@@ -5700,7 +5700,7 @@
               </a:ln>
               <a:extLst>
                 <a:ext uri="{91240B29-F687-4F45-9708-019B960494DF}">
-                  <a14:hiddenLine xmlns:a14="http://schemas.microsoft.com/office/drawing/2010/main" xmlns="" w="9525">
+                  <a14:hiddenLine xmlns:a14="http://schemas.microsoft.com/office/drawing/2010/main" w="9525">
                     <a:solidFill>
                       <a:srgbClr val="000000"/>
                     </a:solidFill>
@@ -6204,7 +6204,7 @@
               </a:ln>
               <a:extLst>
                 <a:ext uri="{91240B29-F687-4F45-9708-019B960494DF}">
-                  <a14:hiddenLine xmlns:a14="http://schemas.microsoft.com/office/drawing/2010/main" xmlns="" w="9525">
+                  <a14:hiddenLine xmlns:a14="http://schemas.microsoft.com/office/drawing/2010/main" w="9525">
                     <a:solidFill>
                       <a:srgbClr val="000000"/>
                     </a:solidFill>
@@ -6742,7 +6742,7 @@
     </p:spTree>
     <p:extLst>
       <p:ext uri="{BB962C8B-B14F-4D97-AF65-F5344CB8AC3E}">
-        <p14:creationId xmlns:p14="http://schemas.microsoft.com/office/powerpoint/2010/main" xmlns="" val="1955931793"/>
+        <p14:creationId xmlns:p14="http://schemas.microsoft.com/office/powerpoint/2010/main" val="1955931793"/>
       </p:ext>
     </p:extLst>
   </p:cSld>
@@ -6999,7 +6999,7 @@
           <a:blip r:embed="rId2">
             <a:extLst>
               <a:ext uri="{28A0092B-C50C-407E-A947-70E740481C1C}">
-                <a14:useLocalDpi xmlns:a14="http://schemas.microsoft.com/office/drawing/2010/main" xmlns="" val="0"/>
+                <a14:useLocalDpi xmlns:a14="http://schemas.microsoft.com/office/drawing/2010/main" val="0"/>
               </a:ext>
             </a:extLst>
           </a:blip>
@@ -7211,20 +7211,20 @@
     </p:spTree>
     <p:extLst>
       <p:ext uri="{BB962C8B-B14F-4D97-AF65-F5344CB8AC3E}">
-        <p14:creationId xmlns:p14="http://schemas.microsoft.com/office/powerpoint/2010/main" xmlns="" val="2366049688"/>
+        <p14:creationId xmlns:p14="http://schemas.microsoft.com/office/powerpoint/2010/main" val="2366049688"/>
       </p:ext>
     </p:extLst>
   </p:cSld>
   <p:clrMapOvr>
     <a:masterClrMapping/>
   </p:clrMapOvr>
-  <mc:AlternateContent xmlns:mc="http://schemas.openxmlformats.org/markup-compatibility/2006">
-    <mc:Choice xmlns:p14="http://schemas.microsoft.com/office/powerpoint/2010/main" xmlns="" Requires="p14">
+  <mc:AlternateContent xmlns:mc="http://schemas.openxmlformats.org/markup-compatibility/2006" xmlns:p14="http://schemas.microsoft.com/office/powerpoint/2010/main">
+    <mc:Choice Requires="p14">
       <p:transition spd="med">
         <p14:flip dir="r"/>
       </p:transition>
     </mc:Choice>
-    <mc:Fallback>
+    <mc:Fallback xmlns="">
       <p:transition spd="med">
         <p:fade/>
       </p:transition>
@@ -7508,14 +7508,14 @@
             </a:ln>
             <a:extLst>
               <a:ext uri="{909E8E84-426E-40DD-AFC4-6F175D3DCCD1}">
-                <a14:hiddenFill xmlns:a14="http://schemas.microsoft.com/office/drawing/2010/main" xmlns="">
+                <a14:hiddenFill xmlns:a14="http://schemas.microsoft.com/office/drawing/2010/main">
                   <a:solidFill>
                     <a:srgbClr val="FFFFFF"/>
                   </a:solidFill>
                 </a14:hiddenFill>
               </a:ext>
               <a:ext uri="{91240B29-F687-4F45-9708-019B960494DF}">
-                <a14:hiddenLine xmlns:a14="http://schemas.microsoft.com/office/drawing/2010/main" xmlns="" w="9525">
+                <a14:hiddenLine xmlns:a14="http://schemas.microsoft.com/office/drawing/2010/main" w="9525">
                   <a:solidFill>
                     <a:srgbClr val="000000"/>
                   </a:solidFill>
@@ -7680,7 +7680,7 @@
             </a:ln>
             <a:extLst>
               <a:ext uri="{91240B29-F687-4F45-9708-019B960494DF}">
-                <a14:hiddenLine xmlns:a14="http://schemas.microsoft.com/office/drawing/2010/main" xmlns="" w="9525">
+                <a14:hiddenLine xmlns:a14="http://schemas.microsoft.com/office/drawing/2010/main" w="9525">
                   <a:solidFill>
                     <a:srgbClr val="000000"/>
                   </a:solidFill>
@@ -7845,7 +7845,7 @@
             </a:ln>
             <a:extLst>
               <a:ext uri="{91240B29-F687-4F45-9708-019B960494DF}">
-                <a14:hiddenLine xmlns:a14="http://schemas.microsoft.com/office/drawing/2010/main" xmlns="" w="9525">
+                <a14:hiddenLine xmlns:a14="http://schemas.microsoft.com/office/drawing/2010/main" w="9525">
                   <a:solidFill>
                     <a:srgbClr val="000000"/>
                   </a:solidFill>
@@ -9132,20 +9132,20 @@
     </p:spTree>
     <p:extLst>
       <p:ext uri="{BB962C8B-B14F-4D97-AF65-F5344CB8AC3E}">
-        <p14:creationId xmlns:p14="http://schemas.microsoft.com/office/powerpoint/2010/main" xmlns="" val="3513966317"/>
+        <p14:creationId xmlns:p14="http://schemas.microsoft.com/office/powerpoint/2010/main" val="3513966317"/>
       </p:ext>
     </p:extLst>
   </p:cSld>
   <p:clrMapOvr>
     <a:masterClrMapping/>
   </p:clrMapOvr>
-  <mc:AlternateContent xmlns:mc="http://schemas.openxmlformats.org/markup-compatibility/2006">
-    <mc:Choice xmlns:p14="http://schemas.microsoft.com/office/powerpoint/2010/main" xmlns="" Requires="p14">
+  <mc:AlternateContent xmlns:mc="http://schemas.openxmlformats.org/markup-compatibility/2006" xmlns:p14="http://schemas.microsoft.com/office/powerpoint/2010/main">
+    <mc:Choice Requires="p14">
       <p:transition spd="med">
         <p14:prism/>
       </p:transition>
     </mc:Choice>
-    <mc:Fallback>
+    <mc:Fallback xmlns="">
       <p:transition spd="med">
         <p:fade/>
       </p:transition>
@@ -9285,7 +9285,7 @@
           <a:blip r:embed="rId2" cstate="email">
             <a:extLst>
               <a:ext uri="{28A0092B-C50C-407E-A947-70E740481C1C}">
-                <a14:useLocalDpi xmlns:a14="http://schemas.microsoft.com/office/drawing/2010/main" xmlns=""/>
+                <a14:useLocalDpi xmlns:a14="http://schemas.microsoft.com/office/drawing/2010/main"/>
               </a:ext>
             </a:extLst>
           </a:blip>
@@ -9308,7 +9308,7 @@
     </p:spTree>
     <p:extLst>
       <p:ext uri="{BB962C8B-B14F-4D97-AF65-F5344CB8AC3E}">
-        <p14:creationId xmlns:p14="http://schemas.microsoft.com/office/powerpoint/2010/main" xmlns="" val="3873080681"/>
+        <p14:creationId xmlns:p14="http://schemas.microsoft.com/office/powerpoint/2010/main" val="3873080681"/>
       </p:ext>
     </p:extLst>
   </p:cSld>
@@ -9433,7 +9433,7 @@
     </p:spTree>
     <p:extLst>
       <p:ext uri="{BB962C8B-B14F-4D97-AF65-F5344CB8AC3E}">
-        <p14:creationId xmlns:p14="http://schemas.microsoft.com/office/powerpoint/2010/main" xmlns="" val="3452816623"/>
+        <p14:creationId xmlns:p14="http://schemas.microsoft.com/office/powerpoint/2010/main" val="3452816623"/>
       </p:ext>
     </p:extLst>
   </p:cSld>
@@ -9491,7 +9491,7 @@
             </a:duotone>
             <a:extLst>
               <a:ext uri="{BEBA8EAE-BF5A-486C-A8C5-ECC9F3942E4B}">
-                <a14:imgProps xmlns:a14="http://schemas.microsoft.com/office/drawing/2010/main" xmlns="">
+                <a14:imgProps xmlns:a14="http://schemas.microsoft.com/office/drawing/2010/main">
                   <a14:imgLayer r:embed="rId9">
                     <a14:imgEffect>
                       <a14:saturation sat="0"/>
@@ -9500,7 +9500,7 @@
                 </a14:imgProps>
               </a:ext>
               <a:ext uri="{28A0092B-C50C-407E-A947-70E740481C1C}">
-                <a14:useLocalDpi xmlns:a14="http://schemas.microsoft.com/office/drawing/2010/main" xmlns="" val="0"/>
+                <a14:useLocalDpi xmlns:a14="http://schemas.microsoft.com/office/drawing/2010/main" val="0"/>
               </a:ext>
             </a:extLst>
           </a:blip>
@@ -9521,7 +9521,7 @@
     </p:spTree>
     <p:extLst>
       <p:ext uri="{BB962C8B-B14F-4D97-AF65-F5344CB8AC3E}">
-        <p14:creationId xmlns:p14="http://schemas.microsoft.com/office/powerpoint/2010/main" xmlns="" val="3587497191"/>
+        <p14:creationId xmlns:p14="http://schemas.microsoft.com/office/powerpoint/2010/main" val="3587497191"/>
       </p:ext>
     </p:extLst>
   </p:cSld>
@@ -10095,7 +10095,7 @@
           </a:ln>
           <a:extLst>
             <a:ext uri="{91240B29-F687-4F45-9708-019B960494DF}">
-              <a14:hiddenLine xmlns:a14="http://schemas.microsoft.com/office/drawing/2010/main" xmlns="" w="9525">
+              <a14:hiddenLine xmlns:a14="http://schemas.microsoft.com/office/drawing/2010/main" w="9525">
                 <a:solidFill>
                   <a:srgbClr val="000000"/>
                 </a:solidFill>
@@ -10198,14 +10198,14 @@
           </a:ln>
           <a:extLst>
             <a:ext uri="{909E8E84-426E-40DD-AFC4-6F175D3DCCD1}">
-              <a14:hiddenFill xmlns:a14="http://schemas.microsoft.com/office/drawing/2010/main" xmlns="">
+              <a14:hiddenFill xmlns:a14="http://schemas.microsoft.com/office/drawing/2010/main">
                 <a:solidFill>
                   <a:srgbClr val="FFFFFF"/>
                 </a:solidFill>
               </a14:hiddenFill>
             </a:ext>
             <a:ext uri="{91240B29-F687-4F45-9708-019B960494DF}">
-              <a14:hiddenLine xmlns:a14="http://schemas.microsoft.com/office/drawing/2010/main" xmlns="" w="9525">
+              <a14:hiddenLine xmlns:a14="http://schemas.microsoft.com/office/drawing/2010/main" w="9525">
                 <a:solidFill>
                   <a:srgbClr val="000000"/>
                 </a:solidFill>
@@ -10311,7 +10311,7 @@
           </a:ln>
           <a:extLst>
             <a:ext uri="{91240B29-F687-4F45-9708-019B960494DF}">
-              <a14:hiddenLine xmlns:a14="http://schemas.microsoft.com/office/drawing/2010/main" xmlns="" w="9525">
+              <a14:hiddenLine xmlns:a14="http://schemas.microsoft.com/office/drawing/2010/main" w="9525">
                 <a:solidFill>
                   <a:srgbClr val="000000"/>
                 </a:solidFill>
@@ -10414,14 +10414,14 @@
           </a:ln>
           <a:extLst>
             <a:ext uri="{909E8E84-426E-40DD-AFC4-6F175D3DCCD1}">
-              <a14:hiddenFill xmlns:a14="http://schemas.microsoft.com/office/drawing/2010/main" xmlns="">
+              <a14:hiddenFill xmlns:a14="http://schemas.microsoft.com/office/drawing/2010/main">
                 <a:solidFill>
                   <a:srgbClr val="FFFFFF"/>
                 </a:solidFill>
               </a14:hiddenFill>
             </a:ext>
             <a:ext uri="{91240B29-F687-4F45-9708-019B960494DF}">
-              <a14:hiddenLine xmlns:a14="http://schemas.microsoft.com/office/drawing/2010/main" xmlns="" w="9525">
+              <a14:hiddenLine xmlns:a14="http://schemas.microsoft.com/office/drawing/2010/main" w="9525">
                 <a:solidFill>
                   <a:srgbClr val="000000"/>
                 </a:solidFill>
@@ -10527,7 +10527,7 @@
           </a:ln>
           <a:extLst>
             <a:ext uri="{91240B29-F687-4F45-9708-019B960494DF}">
-              <a14:hiddenLine xmlns:a14="http://schemas.microsoft.com/office/drawing/2010/main" xmlns="" w="9525">
+              <a14:hiddenLine xmlns:a14="http://schemas.microsoft.com/office/drawing/2010/main" w="9525">
                 <a:solidFill>
                   <a:srgbClr val="000000"/>
                 </a:solidFill>
@@ -10630,14 +10630,14 @@
           </a:ln>
           <a:extLst>
             <a:ext uri="{909E8E84-426E-40DD-AFC4-6F175D3DCCD1}">
-              <a14:hiddenFill xmlns:a14="http://schemas.microsoft.com/office/drawing/2010/main" xmlns="">
+              <a14:hiddenFill xmlns:a14="http://schemas.microsoft.com/office/drawing/2010/main">
                 <a:solidFill>
                   <a:srgbClr val="FFFFFF"/>
                 </a:solidFill>
               </a14:hiddenFill>
             </a:ext>
             <a:ext uri="{91240B29-F687-4F45-9708-019B960494DF}">
-              <a14:hiddenLine xmlns:a14="http://schemas.microsoft.com/office/drawing/2010/main" xmlns="" w="9525">
+              <a14:hiddenLine xmlns:a14="http://schemas.microsoft.com/office/drawing/2010/main" w="9525">
                 <a:solidFill>
                   <a:srgbClr val="000000"/>
                 </a:solidFill>
@@ -10743,7 +10743,7 @@
           </a:ln>
           <a:extLst>
             <a:ext uri="{91240B29-F687-4F45-9708-019B960494DF}">
-              <a14:hiddenLine xmlns:a14="http://schemas.microsoft.com/office/drawing/2010/main" xmlns="" w="9525">
+              <a14:hiddenLine xmlns:a14="http://schemas.microsoft.com/office/drawing/2010/main" w="9525">
                 <a:solidFill>
                   <a:srgbClr val="000000"/>
                 </a:solidFill>
@@ -10846,14 +10846,14 @@
           </a:ln>
           <a:extLst>
             <a:ext uri="{909E8E84-426E-40DD-AFC4-6F175D3DCCD1}">
-              <a14:hiddenFill xmlns:a14="http://schemas.microsoft.com/office/drawing/2010/main" xmlns="">
+              <a14:hiddenFill xmlns:a14="http://schemas.microsoft.com/office/drawing/2010/main">
                 <a:solidFill>
                   <a:srgbClr val="FFFFFF"/>
                 </a:solidFill>
               </a14:hiddenFill>
             </a:ext>
             <a:ext uri="{91240B29-F687-4F45-9708-019B960494DF}">
-              <a14:hiddenLine xmlns:a14="http://schemas.microsoft.com/office/drawing/2010/main" xmlns="" w="9525">
+              <a14:hiddenLine xmlns:a14="http://schemas.microsoft.com/office/drawing/2010/main" w="9525">
                 <a:solidFill>
                   <a:srgbClr val="000000"/>
                 </a:solidFill>
@@ -10900,7 +10900,7 @@
           </a:ln>
           <a:extLst>
             <a:ext uri="{91240B29-F687-4F45-9708-019B960494DF}">
-              <a14:hiddenLine xmlns:a14="http://schemas.microsoft.com/office/drawing/2010/main" xmlns="" w="9525">
+              <a14:hiddenLine xmlns:a14="http://schemas.microsoft.com/office/drawing/2010/main" w="9525">
                 <a:solidFill>
                   <a:srgbClr val="000000"/>
                 </a:solidFill>
@@ -11038,7 +11038,7 @@
           </a:ln>
           <a:extLst>
             <a:ext uri="{91240B29-F687-4F45-9708-019B960494DF}">
-              <a14:hiddenLine xmlns:a14="http://schemas.microsoft.com/office/drawing/2010/main" xmlns="" w="9525">
+              <a14:hiddenLine xmlns:a14="http://schemas.microsoft.com/office/drawing/2010/main" w="9525">
                 <a:solidFill>
                   <a:srgbClr val="000000"/>
                 </a:solidFill>
@@ -11152,7 +11152,7 @@
           </a:ln>
           <a:extLst>
             <a:ext uri="{91240B29-F687-4F45-9708-019B960494DF}">
-              <a14:hiddenLine xmlns:a14="http://schemas.microsoft.com/office/drawing/2010/main" xmlns="" w="9525">
+              <a14:hiddenLine xmlns:a14="http://schemas.microsoft.com/office/drawing/2010/main" w="9525">
                 <a:solidFill>
                   <a:srgbClr val="000000"/>
                 </a:solidFill>
@@ -11266,7 +11266,7 @@
           </a:ln>
           <a:extLst>
             <a:ext uri="{91240B29-F687-4F45-9708-019B960494DF}">
-              <a14:hiddenLine xmlns:a14="http://schemas.microsoft.com/office/drawing/2010/main" xmlns="" w="9525">
+              <a14:hiddenLine xmlns:a14="http://schemas.microsoft.com/office/drawing/2010/main" w="9525">
                 <a:solidFill>
                   <a:srgbClr val="000000"/>
                 </a:solidFill>
@@ -11380,7 +11380,7 @@
           </a:ln>
           <a:extLst>
             <a:ext uri="{91240B29-F687-4F45-9708-019B960494DF}">
-              <a14:hiddenLine xmlns:a14="http://schemas.microsoft.com/office/drawing/2010/main" xmlns="" w="9525">
+              <a14:hiddenLine xmlns:a14="http://schemas.microsoft.com/office/drawing/2010/main" w="9525">
                 <a:solidFill>
                   <a:srgbClr val="000000"/>
                 </a:solidFill>
@@ -11520,7 +11520,7 @@
             </a:ln>
             <a:extLst>
               <a:ext uri="{91240B29-F687-4F45-9708-019B960494DF}">
-                <a14:hiddenLine xmlns:a14="http://schemas.microsoft.com/office/drawing/2010/main" xmlns="" w="9525">
+                <a14:hiddenLine xmlns:a14="http://schemas.microsoft.com/office/drawing/2010/main" w="9525">
                   <a:solidFill>
                     <a:srgbClr val="000000"/>
                   </a:solidFill>
@@ -11646,7 +11646,7 @@
             </a:ln>
             <a:extLst>
               <a:ext uri="{91240B29-F687-4F45-9708-019B960494DF}">
-                <a14:hiddenLine xmlns:a14="http://schemas.microsoft.com/office/drawing/2010/main" xmlns="" w="9525">
+                <a14:hiddenLine xmlns:a14="http://schemas.microsoft.com/office/drawing/2010/main" w="9525">
                   <a:solidFill>
                     <a:srgbClr val="000000"/>
                   </a:solidFill>
@@ -11772,7 +11772,7 @@
             </a:ln>
             <a:extLst>
               <a:ext uri="{91240B29-F687-4F45-9708-019B960494DF}">
-                <a14:hiddenLine xmlns:a14="http://schemas.microsoft.com/office/drawing/2010/main" xmlns="" w="9525">
+                <a14:hiddenLine xmlns:a14="http://schemas.microsoft.com/office/drawing/2010/main" w="9525">
                   <a:solidFill>
                     <a:srgbClr val="000000"/>
                   </a:solidFill>
@@ -11898,7 +11898,7 @@
             </a:ln>
             <a:extLst>
               <a:ext uri="{91240B29-F687-4F45-9708-019B960494DF}">
-                <a14:hiddenLine xmlns:a14="http://schemas.microsoft.com/office/drawing/2010/main" xmlns="" w="9525">
+                <a14:hiddenLine xmlns:a14="http://schemas.microsoft.com/office/drawing/2010/main" w="9525">
                   <a:solidFill>
                     <a:srgbClr val="000000"/>
                   </a:solidFill>
@@ -12024,7 +12024,7 @@
             </a:ln>
             <a:extLst>
               <a:ext uri="{91240B29-F687-4F45-9708-019B960494DF}">
-                <a14:hiddenLine xmlns:a14="http://schemas.microsoft.com/office/drawing/2010/main" xmlns="" w="9525">
+                <a14:hiddenLine xmlns:a14="http://schemas.microsoft.com/office/drawing/2010/main" w="9525">
                   <a:solidFill>
                     <a:srgbClr val="000000"/>
                   </a:solidFill>
@@ -12165,7 +12165,7 @@
             </a:ln>
             <a:extLst>
               <a:ext uri="{91240B29-F687-4F45-9708-019B960494DF}">
-                <a14:hiddenLine xmlns:a14="http://schemas.microsoft.com/office/drawing/2010/main" xmlns="" w="9525">
+                <a14:hiddenLine xmlns:a14="http://schemas.microsoft.com/office/drawing/2010/main" w="9525">
                   <a:solidFill>
                     <a:srgbClr val="000000"/>
                   </a:solidFill>
@@ -12291,7 +12291,7 @@
             </a:ln>
             <a:extLst>
               <a:ext uri="{91240B29-F687-4F45-9708-019B960494DF}">
-                <a14:hiddenLine xmlns:a14="http://schemas.microsoft.com/office/drawing/2010/main" xmlns="" w="9525">
+                <a14:hiddenLine xmlns:a14="http://schemas.microsoft.com/office/drawing/2010/main" w="9525">
                   <a:solidFill>
                     <a:srgbClr val="000000"/>
                   </a:solidFill>
@@ -12417,7 +12417,7 @@
             </a:ln>
             <a:extLst>
               <a:ext uri="{91240B29-F687-4F45-9708-019B960494DF}">
-                <a14:hiddenLine xmlns:a14="http://schemas.microsoft.com/office/drawing/2010/main" xmlns="" w="9525">
+                <a14:hiddenLine xmlns:a14="http://schemas.microsoft.com/office/drawing/2010/main" w="9525">
                   <a:solidFill>
                     <a:srgbClr val="000000"/>
                   </a:solidFill>
@@ -12543,7 +12543,7 @@
             </a:ln>
             <a:extLst>
               <a:ext uri="{91240B29-F687-4F45-9708-019B960494DF}">
-                <a14:hiddenLine xmlns:a14="http://schemas.microsoft.com/office/drawing/2010/main" xmlns="" w="9525">
+                <a14:hiddenLine xmlns:a14="http://schemas.microsoft.com/office/drawing/2010/main" w="9525">
                   <a:solidFill>
                     <a:srgbClr val="000000"/>
                   </a:solidFill>
@@ -12669,7 +12669,7 @@
             </a:ln>
             <a:extLst>
               <a:ext uri="{91240B29-F687-4F45-9708-019B960494DF}">
-                <a14:hiddenLine xmlns:a14="http://schemas.microsoft.com/office/drawing/2010/main" xmlns="" w="9525">
+                <a14:hiddenLine xmlns:a14="http://schemas.microsoft.com/office/drawing/2010/main" w="9525">
                   <a:solidFill>
                     <a:srgbClr val="000000"/>
                   </a:solidFill>
@@ -12783,7 +12783,7 @@
             </a:ln>
             <a:extLst>
               <a:ext uri="{91240B29-F687-4F45-9708-019B960494DF}">
-                <a14:hiddenLine xmlns:a14="http://schemas.microsoft.com/office/drawing/2010/main" xmlns="" w="9525">
+                <a14:hiddenLine xmlns:a14="http://schemas.microsoft.com/office/drawing/2010/main" w="9525">
                   <a:solidFill>
                     <a:srgbClr val="000000"/>
                   </a:solidFill>
@@ -12909,7 +12909,7 @@
             </a:ln>
             <a:extLst>
               <a:ext uri="{91240B29-F687-4F45-9708-019B960494DF}">
-                <a14:hiddenLine xmlns:a14="http://schemas.microsoft.com/office/drawing/2010/main" xmlns="" w="9525">
+                <a14:hiddenLine xmlns:a14="http://schemas.microsoft.com/office/drawing/2010/main" w="9525">
                   <a:solidFill>
                     <a:srgbClr val="000000"/>
                   </a:solidFill>
@@ -12971,7 +12971,7 @@
             </a:ln>
             <a:extLst>
               <a:ext uri="{91240B29-F687-4F45-9708-019B960494DF}">
-                <a14:hiddenLine xmlns:a14="http://schemas.microsoft.com/office/drawing/2010/main" xmlns="" w="9525">
+                <a14:hiddenLine xmlns:a14="http://schemas.microsoft.com/office/drawing/2010/main" w="9525">
                   <a:solidFill>
                     <a:srgbClr val="000000"/>
                   </a:solidFill>
@@ -13117,7 +13117,7 @@
             </a:ln>
             <a:extLst>
               <a:ext uri="{91240B29-F687-4F45-9708-019B960494DF}">
-                <a14:hiddenLine xmlns:a14="http://schemas.microsoft.com/office/drawing/2010/main" xmlns="" w="9525">
+                <a14:hiddenLine xmlns:a14="http://schemas.microsoft.com/office/drawing/2010/main" w="9525">
                   <a:solidFill>
                     <a:srgbClr val="000000"/>
                   </a:solidFill>
@@ -13164,7 +13164,7 @@
             </a:ln>
             <a:extLst>
               <a:ext uri="{91240B29-F687-4F45-9708-019B960494DF}">
-                <a14:hiddenLine xmlns:a14="http://schemas.microsoft.com/office/drawing/2010/main" xmlns="" w="9525">
+                <a14:hiddenLine xmlns:a14="http://schemas.microsoft.com/office/drawing/2010/main" w="9525">
                   <a:solidFill>
                     <a:srgbClr val="000000"/>
                   </a:solidFill>
@@ -13310,7 +13310,7 @@
             </a:ln>
             <a:extLst>
               <a:ext uri="{91240B29-F687-4F45-9708-019B960494DF}">
-                <a14:hiddenLine xmlns:a14="http://schemas.microsoft.com/office/drawing/2010/main" xmlns="" w="9525">
+                <a14:hiddenLine xmlns:a14="http://schemas.microsoft.com/office/drawing/2010/main" w="9525">
                   <a:solidFill>
                     <a:srgbClr val="000000"/>
                   </a:solidFill>
@@ -13357,7 +13357,7 @@
             </a:ln>
             <a:extLst>
               <a:ext uri="{91240B29-F687-4F45-9708-019B960494DF}">
-                <a14:hiddenLine xmlns:a14="http://schemas.microsoft.com/office/drawing/2010/main" xmlns="" w="9525">
+                <a14:hiddenLine xmlns:a14="http://schemas.microsoft.com/office/drawing/2010/main" w="9525">
                   <a:solidFill>
                     <a:srgbClr val="000000"/>
                   </a:solidFill>
@@ -13503,7 +13503,7 @@
             </a:ln>
             <a:extLst>
               <a:ext uri="{91240B29-F687-4F45-9708-019B960494DF}">
-                <a14:hiddenLine xmlns:a14="http://schemas.microsoft.com/office/drawing/2010/main" xmlns="" w="9525">
+                <a14:hiddenLine xmlns:a14="http://schemas.microsoft.com/office/drawing/2010/main" w="9525">
                   <a:solidFill>
                     <a:srgbClr val="000000"/>
                   </a:solidFill>
@@ -13550,7 +13550,7 @@
             </a:ln>
             <a:extLst>
               <a:ext uri="{91240B29-F687-4F45-9708-019B960494DF}">
-                <a14:hiddenLine xmlns:a14="http://schemas.microsoft.com/office/drawing/2010/main" xmlns="" w="9525">
+                <a14:hiddenLine xmlns:a14="http://schemas.microsoft.com/office/drawing/2010/main" w="9525">
                   <a:solidFill>
                     <a:srgbClr val="000000"/>
                   </a:solidFill>
@@ -13696,7 +13696,7 @@
             </a:ln>
             <a:extLst>
               <a:ext uri="{91240B29-F687-4F45-9708-019B960494DF}">
-                <a14:hiddenLine xmlns:a14="http://schemas.microsoft.com/office/drawing/2010/main" xmlns="" w="9525">
+                <a14:hiddenLine xmlns:a14="http://schemas.microsoft.com/office/drawing/2010/main" w="9525">
                   <a:solidFill>
                     <a:srgbClr val="000000"/>
                   </a:solidFill>
@@ -13743,7 +13743,7 @@
             </a:ln>
             <a:extLst>
               <a:ext uri="{91240B29-F687-4F45-9708-019B960494DF}">
-                <a14:hiddenLine xmlns:a14="http://schemas.microsoft.com/office/drawing/2010/main" xmlns="" w="9525">
+                <a14:hiddenLine xmlns:a14="http://schemas.microsoft.com/office/drawing/2010/main" w="9525">
                   <a:solidFill>
                     <a:srgbClr val="000000"/>
                   </a:solidFill>
@@ -13889,7 +13889,7 @@
             </a:ln>
             <a:extLst>
               <a:ext uri="{91240B29-F687-4F45-9708-019B960494DF}">
-                <a14:hiddenLine xmlns:a14="http://schemas.microsoft.com/office/drawing/2010/main" xmlns="" w="9525">
+                <a14:hiddenLine xmlns:a14="http://schemas.microsoft.com/office/drawing/2010/main" w="9525">
                   <a:solidFill>
                     <a:srgbClr val="000000"/>
                   </a:solidFill>
@@ -14059,7 +14059,7 @@
             </a:ln>
             <a:extLst>
               <a:ext uri="{91240B29-F687-4F45-9708-019B960494DF}">
-                <a14:hiddenLine xmlns:a14="http://schemas.microsoft.com/office/drawing/2010/main" xmlns="" w="9525">
+                <a14:hiddenLine xmlns:a14="http://schemas.microsoft.com/office/drawing/2010/main" w="9525">
                   <a:solidFill>
                     <a:srgbClr val="000000"/>
                   </a:solidFill>
@@ -14254,7 +14254,7 @@
             </a:ln>
             <a:extLst>
               <a:ext uri="{91240B29-F687-4F45-9708-019B960494DF}">
-                <a14:hiddenLine xmlns:a14="http://schemas.microsoft.com/office/drawing/2010/main" xmlns="" w="9525">
+                <a14:hiddenLine xmlns:a14="http://schemas.microsoft.com/office/drawing/2010/main" w="9525">
                   <a:solidFill>
                     <a:srgbClr val="000000"/>
                   </a:solidFill>
@@ -14489,7 +14489,7 @@
             </a:ln>
             <a:extLst>
               <a:ext uri="{91240B29-F687-4F45-9708-019B960494DF}">
-                <a14:hiddenLine xmlns:a14="http://schemas.microsoft.com/office/drawing/2010/main" xmlns="" w="9525">
+                <a14:hiddenLine xmlns:a14="http://schemas.microsoft.com/office/drawing/2010/main" w="9525">
                   <a:solidFill>
                     <a:srgbClr val="000000"/>
                   </a:solidFill>
@@ -14536,7 +14536,7 @@
             </a:ln>
             <a:extLst>
               <a:ext uri="{91240B29-F687-4F45-9708-019B960494DF}">
-                <a14:hiddenLine xmlns:a14="http://schemas.microsoft.com/office/drawing/2010/main" xmlns="" w="9525">
+                <a14:hiddenLine xmlns:a14="http://schemas.microsoft.com/office/drawing/2010/main" w="9525">
                   <a:solidFill>
                     <a:srgbClr val="000000"/>
                   </a:solidFill>
@@ -14583,7 +14583,7 @@
             </a:ln>
             <a:extLst>
               <a:ext uri="{91240B29-F687-4F45-9708-019B960494DF}">
-                <a14:hiddenLine xmlns:a14="http://schemas.microsoft.com/office/drawing/2010/main" xmlns="" w="9525">
+                <a14:hiddenLine xmlns:a14="http://schemas.microsoft.com/office/drawing/2010/main" w="9525">
                   <a:solidFill>
                     <a:srgbClr val="000000"/>
                   </a:solidFill>
@@ -14630,7 +14630,7 @@
             </a:ln>
             <a:extLst>
               <a:ext uri="{91240B29-F687-4F45-9708-019B960494DF}">
-                <a14:hiddenLine xmlns:a14="http://schemas.microsoft.com/office/drawing/2010/main" xmlns="" w="9525">
+                <a14:hiddenLine xmlns:a14="http://schemas.microsoft.com/office/drawing/2010/main" w="9525">
                   <a:solidFill>
                     <a:srgbClr val="000000"/>
                   </a:solidFill>
@@ -14677,7 +14677,7 @@
             </a:ln>
             <a:extLst>
               <a:ext uri="{91240B29-F687-4F45-9708-019B960494DF}">
-                <a14:hiddenLine xmlns:a14="http://schemas.microsoft.com/office/drawing/2010/main" xmlns="" w="9525">
+                <a14:hiddenLine xmlns:a14="http://schemas.microsoft.com/office/drawing/2010/main" w="9525">
                   <a:solidFill>
                     <a:srgbClr val="000000"/>
                   </a:solidFill>
@@ -14938,7 +14938,7 @@
         <p:spPr>
           <a:xfrm>
             <a:off x="9168439" y="1973560"/>
-            <a:ext cx="1210588" cy="400110"/>
+            <a:ext cx="1210588" cy="707886"/>
           </a:xfrm>
           <a:prstGeom prst="rect">
             <a:avLst/>
@@ -14960,7 +14960,28 @@
                 <a:ea typeface="Arial Unicode MS" panose="020B0604020202020204" pitchFamily="34" charset="-122"/>
                 <a:cs typeface="Arial Unicode MS" panose="020B0604020202020204" pitchFamily="34" charset="-122"/>
               </a:rPr>
-              <a:t>开源免费</a:t>
+              <a:t>代码开源</a:t>
+            </a:r>
+            <a:endParaRPr lang="en-US" altLang="zh-CN" sz="2000" dirty="0" smtClean="0">
+              <a:solidFill>
+                <a:schemeClr val="bg1"/>
+              </a:solidFill>
+              <a:latin typeface="Arial Unicode MS" panose="020B0604020202020204" pitchFamily="34" charset="-122"/>
+              <a:ea typeface="Arial Unicode MS" panose="020B0604020202020204" pitchFamily="34" charset="-122"/>
+              <a:cs typeface="Arial Unicode MS" panose="020B0604020202020204" pitchFamily="34" charset="-122"/>
+            </a:endParaRPr>
+          </a:p>
+          <a:p>
+            <a:r>
+              <a:rPr lang="zh-CN" altLang="en-US" sz="2000" dirty="0" smtClean="0">
+                <a:solidFill>
+                  <a:schemeClr val="bg1"/>
+                </a:solidFill>
+                <a:latin typeface="Arial Unicode MS" panose="020B0604020202020204" pitchFamily="34" charset="-122"/>
+                <a:ea typeface="Arial Unicode MS" panose="020B0604020202020204" pitchFamily="34" charset="-122"/>
+                <a:cs typeface="Arial Unicode MS" panose="020B0604020202020204" pitchFamily="34" charset="-122"/>
+              </a:rPr>
+              <a:t>人力众包</a:t>
             </a:r>
             <a:endParaRPr lang="en-US" altLang="zh-CN" sz="2000" dirty="0" smtClean="0">
               <a:solidFill>
@@ -15047,8 +15068,8 @@
         </p:nvSpPr>
         <p:spPr>
           <a:xfrm>
-            <a:off x="8718739" y="4790333"/>
-            <a:ext cx="1980029" cy="707886"/>
+            <a:off x="9300629" y="4887317"/>
+            <a:ext cx="713657" cy="400110"/>
           </a:xfrm>
           <a:prstGeom prst="rect">
             <a:avLst/>
@@ -15061,38 +15082,6 @@
           </a:bodyPr>
           <a:lstStyle/>
           <a:p>
-            <a:r>
-              <a:rPr lang="zh-CN" altLang="en-US" sz="2000" dirty="0" smtClean="0">
-                <a:solidFill>
-                  <a:schemeClr val="bg1"/>
-                </a:solidFill>
-                <a:latin typeface="Arial Unicode MS" panose="020B0604020202020204" pitchFamily="34" charset="-122"/>
-                <a:ea typeface="Arial Unicode MS" panose="020B0604020202020204" pitchFamily="34" charset="-122"/>
-                <a:cs typeface="Arial Unicode MS" panose="020B0604020202020204" pitchFamily="34" charset="-122"/>
-              </a:rPr>
-              <a:t>切入点：进销存</a:t>
-            </a:r>
-            <a:endParaRPr lang="en-US" altLang="zh-CN" sz="2000" dirty="0" smtClean="0">
-              <a:solidFill>
-                <a:schemeClr val="bg1"/>
-              </a:solidFill>
-              <a:latin typeface="Arial Unicode MS" panose="020B0604020202020204" pitchFamily="34" charset="-122"/>
-              <a:ea typeface="Arial Unicode MS" panose="020B0604020202020204" pitchFamily="34" charset="-122"/>
-              <a:cs typeface="Arial Unicode MS" panose="020B0604020202020204" pitchFamily="34" charset="-122"/>
-            </a:endParaRPr>
-          </a:p>
-          <a:p>
-            <a:r>
-              <a:rPr lang="zh-CN" altLang="en-US" sz="2000" dirty="0" smtClean="0">
-                <a:solidFill>
-                  <a:schemeClr val="bg1"/>
-                </a:solidFill>
-                <a:latin typeface="Arial Unicode MS" panose="020B0604020202020204" pitchFamily="34" charset="-122"/>
-                <a:ea typeface="Arial Unicode MS" panose="020B0604020202020204" pitchFamily="34" charset="-122"/>
-                <a:cs typeface="Arial Unicode MS" panose="020B0604020202020204" pitchFamily="34" charset="-122"/>
-              </a:rPr>
-              <a:t>目    标：</a:t>
-            </a:r>
             <a:r>
               <a:rPr lang="en-US" altLang="zh-CN" sz="2000" dirty="0" smtClean="0">
                 <a:solidFill>
@@ -15222,7 +15211,20 @@
                 <a:latin typeface="微软雅黑" panose="020B0503020204020204" pitchFamily="34" charset="-122"/>
                 <a:ea typeface="微软雅黑" panose="020B0503020204020204" pitchFamily="34" charset="-122"/>
               </a:rPr>
-              <a:t>提供免费和付费的技术支持服务</a:t>
+              <a:t>提供付</a:t>
+            </a:r>
+            <a:r>
+              <a:rPr lang="zh-CN" altLang="en-US" dirty="0" smtClean="0">
+                <a:solidFill>
+                  <a:schemeClr val="tx1">
+                    <a:lumMod val="65000"/>
+                    <a:lumOff val="35000"/>
+                  </a:schemeClr>
+                </a:solidFill>
+                <a:latin typeface="微软雅黑" panose="020B0503020204020204" pitchFamily="34" charset="-122"/>
+                <a:ea typeface="微软雅黑" panose="020B0503020204020204" pitchFamily="34" charset="-122"/>
+              </a:rPr>
+              <a:t>费的技术支持服务</a:t>
             </a:r>
             <a:endParaRPr lang="en-US" altLang="zh-CN" dirty="0" smtClean="0">
               <a:solidFill>
@@ -15439,7 +15441,7 @@
     </p:spTree>
     <p:extLst>
       <p:ext uri="{BB962C8B-B14F-4D97-AF65-F5344CB8AC3E}">
-        <p14:creationId xmlns:p14="http://schemas.microsoft.com/office/powerpoint/2010/main" xmlns="" val="528797613"/>
+        <p14:creationId xmlns:p14="http://schemas.microsoft.com/office/powerpoint/2010/main" val="528797613"/>
       </p:ext>
     </p:extLst>
   </p:cSld>
@@ -15671,7 +15673,7 @@
           </a:ln>
           <a:extLst>
             <a:ext uri="{91240B29-F687-4F45-9708-019B960494DF}">
-              <a14:hiddenLine xmlns="" xmlns:a14="http://schemas.microsoft.com/office/drawing/2010/main" w="9525">
+              <a14:hiddenLine xmlns:a14="http://schemas.microsoft.com/office/drawing/2010/main" w="9525">
                 <a:solidFill>
                   <a:srgbClr val="000000"/>
                 </a:solidFill>
@@ -15897,7 +15899,7 @@
           </a:ln>
           <a:extLst>
             <a:ext uri="{91240B29-F687-4F45-9708-019B960494DF}">
-              <a14:hiddenLine xmlns="" xmlns:a14="http://schemas.microsoft.com/office/drawing/2010/main" w="9525">
+              <a14:hiddenLine xmlns:a14="http://schemas.microsoft.com/office/drawing/2010/main" w="9525">
                 <a:solidFill>
                   <a:srgbClr val="000000"/>
                 </a:solidFill>
@@ -16243,7 +16245,7 @@
           </a:ln>
           <a:extLst>
             <a:ext uri="{91240B29-F687-4F45-9708-019B960494DF}">
-              <a14:hiddenLine xmlns="" xmlns:a14="http://schemas.microsoft.com/office/drawing/2010/main" w="9525">
+              <a14:hiddenLine xmlns:a14="http://schemas.microsoft.com/office/drawing/2010/main" w="9525">
                 <a:solidFill>
                   <a:srgbClr val="000000"/>
                 </a:solidFill>
@@ -16389,7 +16391,7 @@
           </a:ln>
           <a:extLst>
             <a:ext uri="{91240B29-F687-4F45-9708-019B960494DF}">
-              <a14:hiddenLine xmlns="" xmlns:a14="http://schemas.microsoft.com/office/drawing/2010/main" w="9525">
+              <a14:hiddenLine xmlns:a14="http://schemas.microsoft.com/office/drawing/2010/main" w="9525">
                 <a:solidFill>
                   <a:srgbClr val="000000"/>
                 </a:solidFill>
@@ -16495,7 +16497,7 @@
           </a:ln>
           <a:extLst>
             <a:ext uri="{91240B29-F687-4F45-9708-019B960494DF}">
-              <a14:hiddenLine xmlns="" xmlns:a14="http://schemas.microsoft.com/office/drawing/2010/main" w="9525">
+              <a14:hiddenLine xmlns:a14="http://schemas.microsoft.com/office/drawing/2010/main" w="9525">
                 <a:solidFill>
                   <a:srgbClr val="000000"/>
                 </a:solidFill>
@@ -16601,7 +16603,7 @@
           </a:ln>
           <a:extLst>
             <a:ext uri="{91240B29-F687-4F45-9708-019B960494DF}">
-              <a14:hiddenLine xmlns="" xmlns:a14="http://schemas.microsoft.com/office/drawing/2010/main" w="9525">
+              <a14:hiddenLine xmlns:a14="http://schemas.microsoft.com/office/drawing/2010/main" w="9525">
                 <a:solidFill>
                   <a:srgbClr val="000000"/>
                 </a:solidFill>
@@ -16707,7 +16709,7 @@
           </a:ln>
           <a:extLst>
             <a:ext uri="{91240B29-F687-4F45-9708-019B960494DF}">
-              <a14:hiddenLine xmlns="" xmlns:a14="http://schemas.microsoft.com/office/drawing/2010/main" w="9525">
+              <a14:hiddenLine xmlns:a14="http://schemas.microsoft.com/office/drawing/2010/main" w="9525">
                 <a:solidFill>
                   <a:srgbClr val="000000"/>
                 </a:solidFill>
@@ -16837,7 +16839,7 @@
           </a:ln>
           <a:extLst>
             <a:ext uri="{91240B29-F687-4F45-9708-019B960494DF}">
-              <a14:hiddenLine xmlns="" xmlns:a14="http://schemas.microsoft.com/office/drawing/2010/main" w="9525">
+              <a14:hiddenLine xmlns:a14="http://schemas.microsoft.com/office/drawing/2010/main" w="9525">
                 <a:solidFill>
                   <a:srgbClr val="000000"/>
                 </a:solidFill>
@@ -16983,7 +16985,7 @@
           </a:ln>
           <a:extLst>
             <a:ext uri="{91240B29-F687-4F45-9708-019B960494DF}">
-              <a14:hiddenLine xmlns="" xmlns:a14="http://schemas.microsoft.com/office/drawing/2010/main" w="9525">
+              <a14:hiddenLine xmlns:a14="http://schemas.microsoft.com/office/drawing/2010/main" w="9525">
                 <a:solidFill>
                   <a:srgbClr val="000000"/>
                 </a:solidFill>
@@ -17209,7 +17211,7 @@
           </a:ln>
           <a:extLst>
             <a:ext uri="{91240B29-F687-4F45-9708-019B960494DF}">
-              <a14:hiddenLine xmlns="" xmlns:a14="http://schemas.microsoft.com/office/drawing/2010/main" w="9525">
+              <a14:hiddenLine xmlns:a14="http://schemas.microsoft.com/office/drawing/2010/main" w="9525">
                 <a:solidFill>
                   <a:srgbClr val="000000"/>
                 </a:solidFill>
@@ -17555,7 +17557,7 @@
           </a:ln>
           <a:extLst>
             <a:ext uri="{91240B29-F687-4F45-9708-019B960494DF}">
-              <a14:hiddenLine xmlns="" xmlns:a14="http://schemas.microsoft.com/office/drawing/2010/main" w="9525">
+              <a14:hiddenLine xmlns:a14="http://schemas.microsoft.com/office/drawing/2010/main" w="9525">
                 <a:solidFill>
                   <a:srgbClr val="000000"/>
                 </a:solidFill>
@@ -17701,7 +17703,7 @@
           </a:ln>
           <a:extLst>
             <a:ext uri="{91240B29-F687-4F45-9708-019B960494DF}">
-              <a14:hiddenLine xmlns="" xmlns:a14="http://schemas.microsoft.com/office/drawing/2010/main" w="9525">
+              <a14:hiddenLine xmlns:a14="http://schemas.microsoft.com/office/drawing/2010/main" w="9525">
                 <a:solidFill>
                   <a:srgbClr val="000000"/>
                 </a:solidFill>
@@ -17807,7 +17809,7 @@
           </a:ln>
           <a:extLst>
             <a:ext uri="{91240B29-F687-4F45-9708-019B960494DF}">
-              <a14:hiddenLine xmlns="" xmlns:a14="http://schemas.microsoft.com/office/drawing/2010/main" w="9525">
+              <a14:hiddenLine xmlns:a14="http://schemas.microsoft.com/office/drawing/2010/main" w="9525">
                 <a:solidFill>
                   <a:srgbClr val="000000"/>
                 </a:solidFill>
@@ -17913,7 +17915,7 @@
           </a:ln>
           <a:extLst>
             <a:ext uri="{91240B29-F687-4F45-9708-019B960494DF}">
-              <a14:hiddenLine xmlns="" xmlns:a14="http://schemas.microsoft.com/office/drawing/2010/main" w="9525">
+              <a14:hiddenLine xmlns:a14="http://schemas.microsoft.com/office/drawing/2010/main" w="9525">
                 <a:solidFill>
                   <a:srgbClr val="000000"/>
                 </a:solidFill>
@@ -18019,7 +18021,7 @@
           </a:ln>
           <a:extLst>
             <a:ext uri="{91240B29-F687-4F45-9708-019B960494DF}">
-              <a14:hiddenLine xmlns="" xmlns:a14="http://schemas.microsoft.com/office/drawing/2010/main" w="9525">
+              <a14:hiddenLine xmlns:a14="http://schemas.microsoft.com/office/drawing/2010/main" w="9525">
                 <a:solidFill>
                   <a:srgbClr val="000000"/>
                 </a:solidFill>
@@ -18225,7 +18227,7 @@
           </a:ln>
           <a:extLst>
             <a:ext uri="{91240B29-F687-4F45-9708-019B960494DF}">
-              <a14:hiddenLine xmlns="" xmlns:a14="http://schemas.microsoft.com/office/drawing/2010/main" w="9525">
+              <a14:hiddenLine xmlns:a14="http://schemas.microsoft.com/office/drawing/2010/main" w="9525">
                 <a:solidFill>
                   <a:srgbClr val="000000"/>
                 </a:solidFill>
@@ -18371,7 +18373,7 @@
           </a:ln>
           <a:extLst>
             <a:ext uri="{91240B29-F687-4F45-9708-019B960494DF}">
-              <a14:hiddenLine xmlns="" xmlns:a14="http://schemas.microsoft.com/office/drawing/2010/main" w="9525">
+              <a14:hiddenLine xmlns:a14="http://schemas.microsoft.com/office/drawing/2010/main" w="9525">
                 <a:solidFill>
                   <a:srgbClr val="000000"/>
                 </a:solidFill>
@@ -18597,7 +18599,7 @@
           </a:ln>
           <a:extLst>
             <a:ext uri="{91240B29-F687-4F45-9708-019B960494DF}">
-              <a14:hiddenLine xmlns="" xmlns:a14="http://schemas.microsoft.com/office/drawing/2010/main" w="9525">
+              <a14:hiddenLine xmlns:a14="http://schemas.microsoft.com/office/drawing/2010/main" w="9525">
                 <a:solidFill>
                   <a:srgbClr val="000000"/>
                 </a:solidFill>
@@ -18943,7 +18945,7 @@
           </a:ln>
           <a:extLst>
             <a:ext uri="{91240B29-F687-4F45-9708-019B960494DF}">
-              <a14:hiddenLine xmlns="" xmlns:a14="http://schemas.microsoft.com/office/drawing/2010/main" w="9525">
+              <a14:hiddenLine xmlns:a14="http://schemas.microsoft.com/office/drawing/2010/main" w="9525">
                 <a:solidFill>
                   <a:srgbClr val="000000"/>
                 </a:solidFill>
@@ -19089,7 +19091,7 @@
           </a:ln>
           <a:extLst>
             <a:ext uri="{91240B29-F687-4F45-9708-019B960494DF}">
-              <a14:hiddenLine xmlns="" xmlns:a14="http://schemas.microsoft.com/office/drawing/2010/main" w="9525">
+              <a14:hiddenLine xmlns:a14="http://schemas.microsoft.com/office/drawing/2010/main" w="9525">
                 <a:solidFill>
                   <a:srgbClr val="000000"/>
                 </a:solidFill>
@@ -19195,7 +19197,7 @@
           </a:ln>
           <a:extLst>
             <a:ext uri="{91240B29-F687-4F45-9708-019B960494DF}">
-              <a14:hiddenLine xmlns="" xmlns:a14="http://schemas.microsoft.com/office/drawing/2010/main" w="9525">
+              <a14:hiddenLine xmlns:a14="http://schemas.microsoft.com/office/drawing/2010/main" w="9525">
                 <a:solidFill>
                   <a:srgbClr val="000000"/>
                 </a:solidFill>
@@ -19301,7 +19303,7 @@
           </a:ln>
           <a:extLst>
             <a:ext uri="{91240B29-F687-4F45-9708-019B960494DF}">
-              <a14:hiddenLine xmlns="" xmlns:a14="http://schemas.microsoft.com/office/drawing/2010/main" w="9525">
+              <a14:hiddenLine xmlns:a14="http://schemas.microsoft.com/office/drawing/2010/main" w="9525">
                 <a:solidFill>
                   <a:srgbClr val="000000"/>
                 </a:solidFill>
@@ -19407,7 +19409,7 @@
           </a:ln>
           <a:extLst>
             <a:ext uri="{91240B29-F687-4F45-9708-019B960494DF}">
-              <a14:hiddenLine xmlns="" xmlns:a14="http://schemas.microsoft.com/office/drawing/2010/main" w="9525">
+              <a14:hiddenLine xmlns:a14="http://schemas.microsoft.com/office/drawing/2010/main" w="9525">
                 <a:solidFill>
                   <a:srgbClr val="000000"/>
                 </a:solidFill>
@@ -19663,7 +19665,7 @@
           </a:ln>
           <a:extLst>
             <a:ext uri="{91240B29-F687-4F45-9708-019B960494DF}">
-              <a14:hiddenLine xmlns="" xmlns:a14="http://schemas.microsoft.com/office/drawing/2010/main" w="9525">
+              <a14:hiddenLine xmlns:a14="http://schemas.microsoft.com/office/drawing/2010/main" w="9525">
                 <a:solidFill>
                   <a:srgbClr val="000000"/>
                 </a:solidFill>
@@ -19809,7 +19811,7 @@
           </a:ln>
           <a:extLst>
             <a:ext uri="{91240B29-F687-4F45-9708-019B960494DF}">
-              <a14:hiddenLine xmlns="" xmlns:a14="http://schemas.microsoft.com/office/drawing/2010/main" w="9525">
+              <a14:hiddenLine xmlns:a14="http://schemas.microsoft.com/office/drawing/2010/main" w="9525">
                 <a:solidFill>
                   <a:srgbClr val="000000"/>
                 </a:solidFill>
@@ -20035,7 +20037,7 @@
           </a:ln>
           <a:extLst>
             <a:ext uri="{91240B29-F687-4F45-9708-019B960494DF}">
-              <a14:hiddenLine xmlns="" xmlns:a14="http://schemas.microsoft.com/office/drawing/2010/main" w="9525">
+              <a14:hiddenLine xmlns:a14="http://schemas.microsoft.com/office/drawing/2010/main" w="9525">
                 <a:solidFill>
                   <a:srgbClr val="000000"/>
                 </a:solidFill>
@@ -20381,7 +20383,7 @@
           </a:ln>
           <a:extLst>
             <a:ext uri="{91240B29-F687-4F45-9708-019B960494DF}">
-              <a14:hiddenLine xmlns="" xmlns:a14="http://schemas.microsoft.com/office/drawing/2010/main" w="9525">
+              <a14:hiddenLine xmlns:a14="http://schemas.microsoft.com/office/drawing/2010/main" w="9525">
                 <a:solidFill>
                   <a:srgbClr val="000000"/>
                 </a:solidFill>
@@ -20527,7 +20529,7 @@
           </a:ln>
           <a:extLst>
             <a:ext uri="{91240B29-F687-4F45-9708-019B960494DF}">
-              <a14:hiddenLine xmlns="" xmlns:a14="http://schemas.microsoft.com/office/drawing/2010/main" w="9525">
+              <a14:hiddenLine xmlns:a14="http://schemas.microsoft.com/office/drawing/2010/main" w="9525">
                 <a:solidFill>
                   <a:srgbClr val="000000"/>
                 </a:solidFill>
@@ -20633,7 +20635,7 @@
           </a:ln>
           <a:extLst>
             <a:ext uri="{91240B29-F687-4F45-9708-019B960494DF}">
-              <a14:hiddenLine xmlns="" xmlns:a14="http://schemas.microsoft.com/office/drawing/2010/main" w="9525">
+              <a14:hiddenLine xmlns:a14="http://schemas.microsoft.com/office/drawing/2010/main" w="9525">
                 <a:solidFill>
                   <a:srgbClr val="000000"/>
                 </a:solidFill>
@@ -20739,7 +20741,7 @@
           </a:ln>
           <a:extLst>
             <a:ext uri="{91240B29-F687-4F45-9708-019B960494DF}">
-              <a14:hiddenLine xmlns="" xmlns:a14="http://schemas.microsoft.com/office/drawing/2010/main" w="9525">
+              <a14:hiddenLine xmlns:a14="http://schemas.microsoft.com/office/drawing/2010/main" w="9525">
                 <a:solidFill>
                   <a:srgbClr val="000000"/>
                 </a:solidFill>
@@ -20845,7 +20847,7 @@
           </a:ln>
           <a:extLst>
             <a:ext uri="{91240B29-F687-4F45-9708-019B960494DF}">
-              <a14:hiddenLine xmlns="" xmlns:a14="http://schemas.microsoft.com/office/drawing/2010/main" w="9525">
+              <a14:hiddenLine xmlns:a14="http://schemas.microsoft.com/office/drawing/2010/main" w="9525">
                 <a:solidFill>
                   <a:srgbClr val="000000"/>
                 </a:solidFill>
@@ -21080,7 +21082,7 @@
           </a:ln>
           <a:extLst>
             <a:ext uri="{91240B29-F687-4F45-9708-019B960494DF}">
-              <a14:hiddenLine xmlns="" xmlns:a14="http://schemas.microsoft.com/office/drawing/2010/main" w="9525">
+              <a14:hiddenLine xmlns:a14="http://schemas.microsoft.com/office/drawing/2010/main" w="9525">
                 <a:solidFill>
                   <a:srgbClr val="000000"/>
                 </a:solidFill>
@@ -21576,7 +21578,7 @@
             </a:ln>
             <a:extLst>
               <a:ext uri="{91240B29-F687-4F45-9708-019B960494DF}">
-                <a14:hiddenLine xmlns="" xmlns:a14="http://schemas.microsoft.com/office/drawing/2010/main" w="9525">
+                <a14:hiddenLine xmlns:a14="http://schemas.microsoft.com/office/drawing/2010/main" w="9525">
                   <a:solidFill>
                     <a:srgbClr val="000000"/>
                   </a:solidFill>
@@ -21623,7 +21625,7 @@
             </a:ln>
             <a:extLst>
               <a:ext uri="{91240B29-F687-4F45-9708-019B960494DF}">
-                <a14:hiddenLine xmlns="" xmlns:a14="http://schemas.microsoft.com/office/drawing/2010/main" w="9525">
+                <a14:hiddenLine xmlns:a14="http://schemas.microsoft.com/office/drawing/2010/main" w="9525">
                   <a:solidFill>
                     <a:srgbClr val="000000"/>
                   </a:solidFill>
@@ -21839,7 +21841,7 @@
             </a:ln>
             <a:extLst>
               <a:ext uri="{91240B29-F687-4F45-9708-019B960494DF}">
-                <a14:hiddenLine xmlns="" xmlns:a14="http://schemas.microsoft.com/office/drawing/2010/main" w="9525">
+                <a14:hiddenLine xmlns:a14="http://schemas.microsoft.com/office/drawing/2010/main" w="9525">
                   <a:solidFill>
                     <a:srgbClr val="000000"/>
                   </a:solidFill>
@@ -21886,7 +21888,7 @@
             </a:ln>
             <a:extLst>
               <a:ext uri="{91240B29-F687-4F45-9708-019B960494DF}">
-                <a14:hiddenLine xmlns="" xmlns:a14="http://schemas.microsoft.com/office/drawing/2010/main" w="9525">
+                <a14:hiddenLine xmlns:a14="http://schemas.microsoft.com/office/drawing/2010/main" w="9525">
                   <a:solidFill>
                     <a:srgbClr val="000000"/>
                   </a:solidFill>
@@ -22182,7 +22184,7 @@
             </a:ln>
             <a:extLst>
               <a:ext uri="{91240B29-F687-4F45-9708-019B960494DF}">
-                <a14:hiddenLine xmlns="" xmlns:a14="http://schemas.microsoft.com/office/drawing/2010/main" w="9525">
+                <a14:hiddenLine xmlns:a14="http://schemas.microsoft.com/office/drawing/2010/main" w="9525">
                   <a:solidFill>
                     <a:srgbClr val="000000"/>
                   </a:solidFill>
@@ -22229,7 +22231,7 @@
             </a:ln>
             <a:extLst>
               <a:ext uri="{91240B29-F687-4F45-9708-019B960494DF}">
-                <a14:hiddenLine xmlns="" xmlns:a14="http://schemas.microsoft.com/office/drawing/2010/main" w="9525">
+                <a14:hiddenLine xmlns:a14="http://schemas.microsoft.com/office/drawing/2010/main" w="9525">
                   <a:solidFill>
                     <a:srgbClr val="000000"/>
                   </a:solidFill>
@@ -22395,7 +22397,7 @@
             </a:ln>
             <a:extLst>
               <a:ext uri="{91240B29-F687-4F45-9708-019B960494DF}">
-                <a14:hiddenLine xmlns="" xmlns:a14="http://schemas.microsoft.com/office/drawing/2010/main" w="9525">
+                <a14:hiddenLine xmlns:a14="http://schemas.microsoft.com/office/drawing/2010/main" w="9525">
                   <a:solidFill>
                     <a:srgbClr val="000000"/>
                   </a:solidFill>
@@ -22442,7 +22444,7 @@
             </a:ln>
             <a:extLst>
               <a:ext uri="{91240B29-F687-4F45-9708-019B960494DF}">
-                <a14:hiddenLine xmlns="" xmlns:a14="http://schemas.microsoft.com/office/drawing/2010/main" w="9525">
+                <a14:hiddenLine xmlns:a14="http://schemas.microsoft.com/office/drawing/2010/main" w="9525">
                   <a:solidFill>
                     <a:srgbClr val="000000"/>
                   </a:solidFill>
@@ -22578,7 +22580,7 @@
             </a:ln>
             <a:extLst>
               <a:ext uri="{91240B29-F687-4F45-9708-019B960494DF}">
-                <a14:hiddenLine xmlns="" xmlns:a14="http://schemas.microsoft.com/office/drawing/2010/main" w="9525">
+                <a14:hiddenLine xmlns:a14="http://schemas.microsoft.com/office/drawing/2010/main" w="9525">
                   <a:solidFill>
                     <a:srgbClr val="000000"/>
                   </a:solidFill>
@@ -22625,7 +22627,7 @@
             </a:ln>
             <a:extLst>
               <a:ext uri="{91240B29-F687-4F45-9708-019B960494DF}">
-                <a14:hiddenLine xmlns="" xmlns:a14="http://schemas.microsoft.com/office/drawing/2010/main" w="9525">
+                <a14:hiddenLine xmlns:a14="http://schemas.microsoft.com/office/drawing/2010/main" w="9525">
                   <a:solidFill>
                     <a:srgbClr val="000000"/>
                   </a:solidFill>
@@ -22781,7 +22783,7 @@
             </a:ln>
             <a:extLst>
               <a:ext uri="{91240B29-F687-4F45-9708-019B960494DF}">
-                <a14:hiddenLine xmlns="" xmlns:a14="http://schemas.microsoft.com/office/drawing/2010/main" w="9525">
+                <a14:hiddenLine xmlns:a14="http://schemas.microsoft.com/office/drawing/2010/main" w="9525">
                   <a:solidFill>
                     <a:srgbClr val="000000"/>
                   </a:solidFill>
@@ -22828,7 +22830,7 @@
             </a:ln>
             <a:extLst>
               <a:ext uri="{91240B29-F687-4F45-9708-019B960494DF}">
-                <a14:hiddenLine xmlns="" xmlns:a14="http://schemas.microsoft.com/office/drawing/2010/main" w="9525">
+                <a14:hiddenLine xmlns:a14="http://schemas.microsoft.com/office/drawing/2010/main" w="9525">
                   <a:solidFill>
                     <a:srgbClr val="000000"/>
                   </a:solidFill>
@@ -23014,7 +23016,7 @@
             </a:ln>
             <a:extLst>
               <a:ext uri="{91240B29-F687-4F45-9708-019B960494DF}">
-                <a14:hiddenLine xmlns="" xmlns:a14="http://schemas.microsoft.com/office/drawing/2010/main" w="9525">
+                <a14:hiddenLine xmlns:a14="http://schemas.microsoft.com/office/drawing/2010/main" w="9525">
                   <a:solidFill>
                     <a:srgbClr val="000000"/>
                   </a:solidFill>
@@ -23061,7 +23063,7 @@
             </a:ln>
             <a:extLst>
               <a:ext uri="{91240B29-F687-4F45-9708-019B960494DF}">
-                <a14:hiddenLine xmlns="" xmlns:a14="http://schemas.microsoft.com/office/drawing/2010/main" w="9525">
+                <a14:hiddenLine xmlns:a14="http://schemas.microsoft.com/office/drawing/2010/main" w="9525">
                   <a:solidFill>
                     <a:srgbClr val="000000"/>
                   </a:solidFill>
@@ -23267,7 +23269,7 @@
             </a:ln>
             <a:extLst>
               <a:ext uri="{91240B29-F687-4F45-9708-019B960494DF}">
-                <a14:hiddenLine xmlns="" xmlns:a14="http://schemas.microsoft.com/office/drawing/2010/main" w="9525">
+                <a14:hiddenLine xmlns:a14="http://schemas.microsoft.com/office/drawing/2010/main" w="9525">
                   <a:solidFill>
                     <a:srgbClr val="000000"/>
                   </a:solidFill>
@@ -23314,7 +23316,7 @@
             </a:ln>
             <a:extLst>
               <a:ext uri="{91240B29-F687-4F45-9708-019B960494DF}">
-                <a14:hiddenLine xmlns="" xmlns:a14="http://schemas.microsoft.com/office/drawing/2010/main" w="9525">
+                <a14:hiddenLine xmlns:a14="http://schemas.microsoft.com/office/drawing/2010/main" w="9525">
                   <a:solidFill>
                     <a:srgbClr val="000000"/>
                   </a:solidFill>
@@ -23510,7 +23512,7 @@
             </a:ln>
             <a:extLst>
               <a:ext uri="{91240B29-F687-4F45-9708-019B960494DF}">
-                <a14:hiddenLine xmlns="" xmlns:a14="http://schemas.microsoft.com/office/drawing/2010/main" w="9525">
+                <a14:hiddenLine xmlns:a14="http://schemas.microsoft.com/office/drawing/2010/main" w="9525">
                   <a:solidFill>
                     <a:srgbClr val="000000"/>
                   </a:solidFill>
@@ -23557,7 +23559,7 @@
             </a:ln>
             <a:extLst>
               <a:ext uri="{91240B29-F687-4F45-9708-019B960494DF}">
-                <a14:hiddenLine xmlns="" xmlns:a14="http://schemas.microsoft.com/office/drawing/2010/main" w="9525">
+                <a14:hiddenLine xmlns:a14="http://schemas.microsoft.com/office/drawing/2010/main" w="9525">
                   <a:solidFill>
                     <a:srgbClr val="000000"/>
                   </a:solidFill>
@@ -24368,7 +24370,7 @@
             </a:ln>
             <a:extLst>
               <a:ext uri="{91240B29-F687-4F45-9708-019B960494DF}">
-                <a14:hiddenLine xmlns="" xmlns:a14="http://schemas.microsoft.com/office/drawing/2010/main" w="9525">
+                <a14:hiddenLine xmlns:a14="http://schemas.microsoft.com/office/drawing/2010/main" w="9525">
                   <a:solidFill>
                     <a:srgbClr val="000000"/>
                   </a:solidFill>
@@ -25069,7 +25071,7 @@
           </a:ln>
           <a:extLst>
             <a:ext uri="{91240B29-F687-4F45-9708-019B960494DF}">
-              <a14:hiddenLine xmlns="" xmlns:a14="http://schemas.microsoft.com/office/drawing/2010/main" w="9525">
+              <a14:hiddenLine xmlns:a14="http://schemas.microsoft.com/office/drawing/2010/main" w="9525">
                 <a:solidFill>
                   <a:srgbClr val="000000"/>
                 </a:solidFill>
@@ -25529,7 +25531,7 @@
           </a:ln>
           <a:extLst>
             <a:ext uri="{91240B29-F687-4F45-9708-019B960494DF}">
-              <a14:hiddenLine xmlns="" xmlns:a14="http://schemas.microsoft.com/office/drawing/2010/main" w="9525">
+              <a14:hiddenLine xmlns:a14="http://schemas.microsoft.com/office/drawing/2010/main" w="9525">
                 <a:solidFill>
                   <a:srgbClr val="000000"/>
                 </a:solidFill>
@@ -25687,7 +25689,7 @@
             </a:ln>
             <a:extLst>
               <a:ext uri="{91240B29-F687-4F45-9708-019B960494DF}">
-                <a14:hiddenLine xmlns="" xmlns:a14="http://schemas.microsoft.com/office/drawing/2010/main" w="9525">
+                <a14:hiddenLine xmlns:a14="http://schemas.microsoft.com/office/drawing/2010/main" w="9525">
                   <a:solidFill>
                     <a:srgbClr val="000000"/>
                   </a:solidFill>
@@ -25948,7 +25950,7 @@
             </a:ln>
             <a:extLst>
               <a:ext uri="{91240B29-F687-4F45-9708-019B960494DF}">
-                <a14:hiddenLine xmlns="" xmlns:a14="http://schemas.microsoft.com/office/drawing/2010/main" w="9525">
+                <a14:hiddenLine xmlns:a14="http://schemas.microsoft.com/office/drawing/2010/main" w="9525">
                   <a:solidFill>
                     <a:srgbClr val="000000"/>
                   </a:solidFill>
@@ -26139,7 +26141,7 @@
             </a:ln>
             <a:extLst>
               <a:ext uri="{91240B29-F687-4F45-9708-019B960494DF}">
-                <a14:hiddenLine xmlns="" xmlns:a14="http://schemas.microsoft.com/office/drawing/2010/main" w="9525">
+                <a14:hiddenLine xmlns:a14="http://schemas.microsoft.com/office/drawing/2010/main" w="9525">
                   <a:solidFill>
                     <a:srgbClr val="000000"/>
                   </a:solidFill>
@@ -26400,7 +26402,7 @@
             </a:ln>
             <a:extLst>
               <a:ext uri="{91240B29-F687-4F45-9708-019B960494DF}">
-                <a14:hiddenLine xmlns="" xmlns:a14="http://schemas.microsoft.com/office/drawing/2010/main" w="9525">
+                <a14:hiddenLine xmlns:a14="http://schemas.microsoft.com/office/drawing/2010/main" w="9525">
                   <a:solidFill>
                     <a:srgbClr val="000000"/>
                   </a:solidFill>
@@ -26661,7 +26663,7 @@
             </a:ln>
             <a:extLst>
               <a:ext uri="{91240B29-F687-4F45-9708-019B960494DF}">
-                <a14:hiddenLine xmlns="" xmlns:a14="http://schemas.microsoft.com/office/drawing/2010/main" w="9525">
+                <a14:hiddenLine xmlns:a14="http://schemas.microsoft.com/office/drawing/2010/main" w="9525">
                   <a:solidFill>
                     <a:srgbClr val="000000"/>
                   </a:solidFill>
@@ -26975,7 +26977,7 @@
             </a:ln>
             <a:extLst>
               <a:ext uri="{91240B29-F687-4F45-9708-019B960494DF}">
-                <a14:hiddenLine xmlns="" xmlns:a14="http://schemas.microsoft.com/office/drawing/2010/main" w="9525">
+                <a14:hiddenLine xmlns:a14="http://schemas.microsoft.com/office/drawing/2010/main" w="9525">
                   <a:solidFill>
                     <a:srgbClr val="000000"/>
                   </a:solidFill>
@@ -27130,7 +27132,7 @@
             </a:ln>
             <a:extLst>
               <a:ext uri="{91240B29-F687-4F45-9708-019B960494DF}">
-                <a14:hiddenLine xmlns="" xmlns:a14="http://schemas.microsoft.com/office/drawing/2010/main" w="9525">
+                <a14:hiddenLine xmlns:a14="http://schemas.microsoft.com/office/drawing/2010/main" w="9525">
                   <a:solidFill>
                     <a:srgbClr val="000000"/>
                   </a:solidFill>
@@ -27324,7 +27326,7 @@
             </a:ln>
             <a:extLst>
               <a:ext uri="{91240B29-F687-4F45-9708-019B960494DF}">
-                <a14:hiddenLine xmlns="" xmlns:a14="http://schemas.microsoft.com/office/drawing/2010/main" w="9525">
+                <a14:hiddenLine xmlns:a14="http://schemas.microsoft.com/office/drawing/2010/main" w="9525">
                   <a:solidFill>
                     <a:srgbClr val="000000"/>
                   </a:solidFill>
@@ -27515,7 +27517,7 @@
             </a:ln>
             <a:extLst>
               <a:ext uri="{91240B29-F687-4F45-9708-019B960494DF}">
-                <a14:hiddenLine xmlns="" xmlns:a14="http://schemas.microsoft.com/office/drawing/2010/main" w="9525">
+                <a14:hiddenLine xmlns:a14="http://schemas.microsoft.com/office/drawing/2010/main" w="9525">
                   <a:solidFill>
                     <a:srgbClr val="000000"/>
                   </a:solidFill>
@@ -27708,7 +27710,7 @@
             </a:ln>
             <a:extLst>
               <a:ext uri="{91240B29-F687-4F45-9708-019B960494DF}">
-                <a14:hiddenLine xmlns="" xmlns:a14="http://schemas.microsoft.com/office/drawing/2010/main" w="9525">
+                <a14:hiddenLine xmlns:a14="http://schemas.microsoft.com/office/drawing/2010/main" w="9525">
                   <a:solidFill>
                     <a:srgbClr val="000000"/>
                   </a:solidFill>
@@ -27834,7 +27836,7 @@
             </a:ln>
             <a:extLst>
               <a:ext uri="{91240B29-F687-4F45-9708-019B960494DF}">
-                <a14:hiddenLine xmlns="" xmlns:a14="http://schemas.microsoft.com/office/drawing/2010/main" w="9525">
+                <a14:hiddenLine xmlns:a14="http://schemas.microsoft.com/office/drawing/2010/main" w="9525">
                   <a:solidFill>
                     <a:srgbClr val="000000"/>
                   </a:solidFill>
@@ -27950,7 +27952,7 @@
             </a:ln>
             <a:extLst>
               <a:ext uri="{91240B29-F687-4F45-9708-019B960494DF}">
-                <a14:hiddenLine xmlns="" xmlns:a14="http://schemas.microsoft.com/office/drawing/2010/main" w="9525">
+                <a14:hiddenLine xmlns:a14="http://schemas.microsoft.com/office/drawing/2010/main" w="9525">
                   <a:solidFill>
                     <a:srgbClr val="000000"/>
                   </a:solidFill>
@@ -28086,7 +28088,7 @@
             </a:ln>
             <a:extLst>
               <a:ext uri="{91240B29-F687-4F45-9708-019B960494DF}">
-                <a14:hiddenLine xmlns="" xmlns:a14="http://schemas.microsoft.com/office/drawing/2010/main" w="9525">
+                <a14:hiddenLine xmlns:a14="http://schemas.microsoft.com/office/drawing/2010/main" w="9525">
                   <a:solidFill>
                     <a:srgbClr val="000000"/>
                   </a:solidFill>
@@ -28148,7 +28150,7 @@
             </a:ln>
             <a:extLst>
               <a:ext uri="{91240B29-F687-4F45-9708-019B960494DF}">
-                <a14:hiddenLine xmlns="" xmlns:a14="http://schemas.microsoft.com/office/drawing/2010/main" w="9525">
+                <a14:hiddenLine xmlns:a14="http://schemas.microsoft.com/office/drawing/2010/main" w="9525">
                   <a:solidFill>
                     <a:srgbClr val="000000"/>
                   </a:solidFill>
@@ -28309,7 +28311,7 @@
             </a:ln>
             <a:extLst>
               <a:ext uri="{91240B29-F687-4F45-9708-019B960494DF}">
-                <a14:hiddenLine xmlns="" xmlns:a14="http://schemas.microsoft.com/office/drawing/2010/main" w="9525">
+                <a14:hiddenLine xmlns:a14="http://schemas.microsoft.com/office/drawing/2010/main" w="9525">
                   <a:solidFill>
                     <a:srgbClr val="000000"/>
                   </a:solidFill>
@@ -28425,7 +28427,7 @@
             </a:ln>
             <a:extLst>
               <a:ext uri="{91240B29-F687-4F45-9708-019B960494DF}">
-                <a14:hiddenLine xmlns="" xmlns:a14="http://schemas.microsoft.com/office/drawing/2010/main" w="9525">
+                <a14:hiddenLine xmlns:a14="http://schemas.microsoft.com/office/drawing/2010/main" w="9525">
                   <a:solidFill>
                     <a:srgbClr val="000000"/>
                   </a:solidFill>
@@ -28531,7 +28533,7 @@
             </a:ln>
             <a:extLst>
               <a:ext uri="{91240B29-F687-4F45-9708-019B960494DF}">
-                <a14:hiddenLine xmlns="" xmlns:a14="http://schemas.microsoft.com/office/drawing/2010/main" w="9525">
+                <a14:hiddenLine xmlns:a14="http://schemas.microsoft.com/office/drawing/2010/main" w="9525">
                   <a:solidFill>
                     <a:srgbClr val="000000"/>
                   </a:solidFill>
@@ -28686,7 +28688,7 @@
             </a:ln>
             <a:extLst>
               <a:ext uri="{91240B29-F687-4F45-9708-019B960494DF}">
-                <a14:hiddenLine xmlns="" xmlns:a14="http://schemas.microsoft.com/office/drawing/2010/main" w="9525">
+                <a14:hiddenLine xmlns:a14="http://schemas.microsoft.com/office/drawing/2010/main" w="9525">
                   <a:solidFill>
                     <a:srgbClr val="000000"/>
                   </a:solidFill>
@@ -28820,7 +28822,7 @@
             </a:ln>
             <a:extLst>
               <a:ext uri="{91240B29-F687-4F45-9708-019B960494DF}">
-                <a14:hiddenLine xmlns="" xmlns:a14="http://schemas.microsoft.com/office/drawing/2010/main" w="9525">
+                <a14:hiddenLine xmlns:a14="http://schemas.microsoft.com/office/drawing/2010/main" w="9525">
                   <a:solidFill>
                     <a:srgbClr val="000000"/>
                   </a:solidFill>
@@ -28867,7 +28869,7 @@
             </a:ln>
             <a:extLst>
               <a:ext uri="{91240B29-F687-4F45-9708-019B960494DF}">
-                <a14:hiddenLine xmlns="" xmlns:a14="http://schemas.microsoft.com/office/drawing/2010/main" w="9525">
+                <a14:hiddenLine xmlns:a14="http://schemas.microsoft.com/office/drawing/2010/main" w="9525">
                   <a:solidFill>
                     <a:srgbClr val="000000"/>
                   </a:solidFill>
@@ -29215,7 +29217,7 @@
             </a:ln>
             <a:extLst>
               <a:ext uri="{91240B29-F687-4F45-9708-019B960494DF}">
-                <a14:hiddenLine xmlns="" xmlns:a14="http://schemas.microsoft.com/office/drawing/2010/main" w="9525">
+                <a14:hiddenLine xmlns:a14="http://schemas.microsoft.com/office/drawing/2010/main" w="9525">
                   <a:solidFill>
                     <a:srgbClr val="000000"/>
                   </a:solidFill>
@@ -29411,7 +29413,7 @@
             </a:ln>
             <a:extLst>
               <a:ext uri="{91240B29-F687-4F45-9708-019B960494DF}">
-                <a14:hiddenLine xmlns="" xmlns:a14="http://schemas.microsoft.com/office/drawing/2010/main" w="9525">
+                <a14:hiddenLine xmlns:a14="http://schemas.microsoft.com/office/drawing/2010/main" w="9525">
                   <a:solidFill>
                     <a:srgbClr val="000000"/>
                   </a:solidFill>
@@ -29566,7 +29568,7 @@
             </a:ln>
             <a:extLst>
               <a:ext uri="{91240B29-F687-4F45-9708-019B960494DF}">
-                <a14:hiddenLine xmlns="" xmlns:a14="http://schemas.microsoft.com/office/drawing/2010/main" w="9525">
+                <a14:hiddenLine xmlns:a14="http://schemas.microsoft.com/office/drawing/2010/main" w="9525">
                   <a:solidFill>
                     <a:srgbClr val="000000"/>
                   </a:solidFill>
@@ -29780,7 +29782,7 @@
             </a:ln>
             <a:extLst>
               <a:ext uri="{91240B29-F687-4F45-9708-019B960494DF}">
-                <a14:hiddenLine xmlns="" xmlns:a14="http://schemas.microsoft.com/office/drawing/2010/main" w="9525">
+                <a14:hiddenLine xmlns:a14="http://schemas.microsoft.com/office/drawing/2010/main" w="9525">
                   <a:solidFill>
                     <a:srgbClr val="000000"/>
                   </a:solidFill>
@@ -29827,7 +29829,7 @@
             </a:ln>
             <a:extLst>
               <a:ext uri="{91240B29-F687-4F45-9708-019B960494DF}">
-                <a14:hiddenLine xmlns="" xmlns:a14="http://schemas.microsoft.com/office/drawing/2010/main" w="9525">
+                <a14:hiddenLine xmlns:a14="http://schemas.microsoft.com/office/drawing/2010/main" w="9525">
                   <a:solidFill>
                     <a:srgbClr val="000000"/>
                   </a:solidFill>
@@ -30454,7 +30456,7 @@
             </a:ln>
             <a:extLst>
               <a:ext uri="{91240B29-F687-4F45-9708-019B960494DF}">
-                <a14:hiddenLine xmlns="" xmlns:a14="http://schemas.microsoft.com/office/drawing/2010/main" w="9525">
+                <a14:hiddenLine xmlns:a14="http://schemas.microsoft.com/office/drawing/2010/main" w="9525">
                   <a:solidFill>
                     <a:srgbClr val="000000"/>
                   </a:solidFill>
@@ -31038,7 +31040,7 @@
             </a:ln>
             <a:extLst>
               <a:ext uri="{91240B29-F687-4F45-9708-019B960494DF}">
-                <a14:hiddenLine xmlns="" xmlns:a14="http://schemas.microsoft.com/office/drawing/2010/main" w="9525">
+                <a14:hiddenLine xmlns:a14="http://schemas.microsoft.com/office/drawing/2010/main" w="9525">
                   <a:solidFill>
                     <a:srgbClr val="000000"/>
                   </a:solidFill>
@@ -31193,7 +31195,7 @@
             </a:ln>
             <a:extLst>
               <a:ext uri="{91240B29-F687-4F45-9708-019B960494DF}">
-                <a14:hiddenLine xmlns="" xmlns:a14="http://schemas.microsoft.com/office/drawing/2010/main" w="9525">
+                <a14:hiddenLine xmlns:a14="http://schemas.microsoft.com/office/drawing/2010/main" w="9525">
                   <a:solidFill>
                     <a:srgbClr val="000000"/>
                   </a:solidFill>
@@ -31377,7 +31379,7 @@
             </a:ln>
             <a:extLst>
               <a:ext uri="{91240B29-F687-4F45-9708-019B960494DF}">
-                <a14:hiddenLine xmlns="" xmlns:a14="http://schemas.microsoft.com/office/drawing/2010/main" w="9525">
+                <a14:hiddenLine xmlns:a14="http://schemas.microsoft.com/office/drawing/2010/main" w="9525">
                   <a:solidFill>
                     <a:srgbClr val="000000"/>
                   </a:solidFill>
@@ -31424,7 +31426,7 @@
             </a:ln>
             <a:extLst>
               <a:ext uri="{91240B29-F687-4F45-9708-019B960494DF}">
-                <a14:hiddenLine xmlns="" xmlns:a14="http://schemas.microsoft.com/office/drawing/2010/main" w="9525">
+                <a14:hiddenLine xmlns:a14="http://schemas.microsoft.com/office/drawing/2010/main" w="9525">
                   <a:solidFill>
                     <a:srgbClr val="000000"/>
                   </a:solidFill>
@@ -31594,7 +31596,7 @@
             </a:ln>
             <a:extLst>
               <a:ext uri="{91240B29-F687-4F45-9708-019B960494DF}">
-                <a14:hiddenLine xmlns="" xmlns:a14="http://schemas.microsoft.com/office/drawing/2010/main" w="9525">
+                <a14:hiddenLine xmlns:a14="http://schemas.microsoft.com/office/drawing/2010/main" w="9525">
                   <a:solidFill>
                     <a:srgbClr val="000000"/>
                   </a:solidFill>
@@ -31760,7 +31762,7 @@
             </a:ln>
             <a:extLst>
               <a:ext uri="{91240B29-F687-4F45-9708-019B960494DF}">
-                <a14:hiddenLine xmlns="" xmlns:a14="http://schemas.microsoft.com/office/drawing/2010/main" w="9525">
+                <a14:hiddenLine xmlns:a14="http://schemas.microsoft.com/office/drawing/2010/main" w="9525">
                   <a:solidFill>
                     <a:srgbClr val="000000"/>
                   </a:solidFill>
@@ -31884,7 +31886,7 @@
             </a:ln>
             <a:extLst>
               <a:ext uri="{91240B29-F687-4F45-9708-019B960494DF}">
-                <a14:hiddenLine xmlns="" xmlns:a14="http://schemas.microsoft.com/office/drawing/2010/main" w="9525">
+                <a14:hiddenLine xmlns:a14="http://schemas.microsoft.com/office/drawing/2010/main" w="9525">
                   <a:solidFill>
                     <a:srgbClr val="000000"/>
                   </a:solidFill>
@@ -32008,7 +32010,7 @@
             </a:ln>
             <a:extLst>
               <a:ext uri="{91240B29-F687-4F45-9708-019B960494DF}">
-                <a14:hiddenLine xmlns="" xmlns:a14="http://schemas.microsoft.com/office/drawing/2010/main" w="9525">
+                <a14:hiddenLine xmlns:a14="http://schemas.microsoft.com/office/drawing/2010/main" w="9525">
                   <a:solidFill>
                     <a:srgbClr val="000000"/>
                   </a:solidFill>
@@ -32132,7 +32134,7 @@
             </a:ln>
             <a:extLst>
               <a:ext uri="{91240B29-F687-4F45-9708-019B960494DF}">
-                <a14:hiddenLine xmlns="" xmlns:a14="http://schemas.microsoft.com/office/drawing/2010/main" w="9525">
+                <a14:hiddenLine xmlns:a14="http://schemas.microsoft.com/office/drawing/2010/main" w="9525">
                   <a:solidFill>
                     <a:srgbClr val="000000"/>
                   </a:solidFill>
@@ -32256,7 +32258,7 @@
             </a:ln>
             <a:extLst>
               <a:ext uri="{91240B29-F687-4F45-9708-019B960494DF}">
-                <a14:hiddenLine xmlns="" xmlns:a14="http://schemas.microsoft.com/office/drawing/2010/main" w="9525">
+                <a14:hiddenLine xmlns:a14="http://schemas.microsoft.com/office/drawing/2010/main" w="9525">
                   <a:solidFill>
                     <a:srgbClr val="000000"/>
                   </a:solidFill>
@@ -32411,7 +32413,7 @@
             </a:ln>
             <a:extLst>
               <a:ext uri="{91240B29-F687-4F45-9708-019B960494DF}">
-                <a14:hiddenLine xmlns="" xmlns:a14="http://schemas.microsoft.com/office/drawing/2010/main" w="9525">
+                <a14:hiddenLine xmlns:a14="http://schemas.microsoft.com/office/drawing/2010/main" w="9525">
                   <a:solidFill>
                     <a:srgbClr val="000000"/>
                   </a:solidFill>
@@ -32598,7 +32600,7 @@
             </a:ln>
             <a:extLst>
               <a:ext uri="{91240B29-F687-4F45-9708-019B960494DF}">
-                <a14:hiddenLine xmlns="" xmlns:a14="http://schemas.microsoft.com/office/drawing/2010/main" w="9525">
+                <a14:hiddenLine xmlns:a14="http://schemas.microsoft.com/office/drawing/2010/main" w="9525">
                   <a:solidFill>
                     <a:srgbClr val="000000"/>
                   </a:solidFill>
@@ -32645,7 +32647,7 @@
             </a:ln>
             <a:extLst>
               <a:ext uri="{91240B29-F687-4F45-9708-019B960494DF}">
-                <a14:hiddenLine xmlns="" xmlns:a14="http://schemas.microsoft.com/office/drawing/2010/main" w="9525">
+                <a14:hiddenLine xmlns:a14="http://schemas.microsoft.com/office/drawing/2010/main" w="9525">
                   <a:solidFill>
                     <a:srgbClr val="000000"/>
                   </a:solidFill>
@@ -32707,7 +32709,7 @@
             </a:ln>
             <a:extLst>
               <a:ext uri="{91240B29-F687-4F45-9708-019B960494DF}">
-                <a14:hiddenLine xmlns="" xmlns:a14="http://schemas.microsoft.com/office/drawing/2010/main" w="9525">
+                <a14:hiddenLine xmlns:a14="http://schemas.microsoft.com/office/drawing/2010/main" w="9525">
                   <a:solidFill>
                     <a:srgbClr val="000000"/>
                   </a:solidFill>
@@ -32833,7 +32835,7 @@
             </a:ln>
             <a:extLst>
               <a:ext uri="{91240B29-F687-4F45-9708-019B960494DF}">
-                <a14:hiddenLine xmlns="" xmlns:a14="http://schemas.microsoft.com/office/drawing/2010/main" w="9525">
+                <a14:hiddenLine xmlns:a14="http://schemas.microsoft.com/office/drawing/2010/main" w="9525">
                   <a:solidFill>
                     <a:srgbClr val="000000"/>
                   </a:solidFill>
@@ -33079,7 +33081,7 @@
             </a:ln>
             <a:extLst>
               <a:ext uri="{91240B29-F687-4F45-9708-019B960494DF}">
-                <a14:hiddenLine xmlns="" xmlns:a14="http://schemas.microsoft.com/office/drawing/2010/main" w="9525">
+                <a14:hiddenLine xmlns:a14="http://schemas.microsoft.com/office/drawing/2010/main" w="9525">
                   <a:solidFill>
                     <a:srgbClr val="000000"/>
                   </a:solidFill>
@@ -33234,7 +33236,7 @@
             </a:ln>
             <a:extLst>
               <a:ext uri="{91240B29-F687-4F45-9708-019B960494DF}">
-                <a14:hiddenLine xmlns="" xmlns:a14="http://schemas.microsoft.com/office/drawing/2010/main" w="9525">
+                <a14:hiddenLine xmlns:a14="http://schemas.microsoft.com/office/drawing/2010/main" w="9525">
                   <a:solidFill>
                     <a:srgbClr val="000000"/>
                   </a:solidFill>
@@ -33448,7 +33450,7 @@
             </a:ln>
             <a:extLst>
               <a:ext uri="{91240B29-F687-4F45-9708-019B960494DF}">
-                <a14:hiddenLine xmlns="" xmlns:a14="http://schemas.microsoft.com/office/drawing/2010/main" w="9525">
+                <a14:hiddenLine xmlns:a14="http://schemas.microsoft.com/office/drawing/2010/main" w="9525">
                   <a:solidFill>
                     <a:srgbClr val="000000"/>
                   </a:solidFill>
@@ -34245,20 +34247,7 @@
                 <a:latin typeface="微软雅黑" panose="020B0503020204020204" pitchFamily="34" charset="-122"/>
                 <a:ea typeface="微软雅黑" panose="020B0503020204020204" pitchFamily="34" charset="-122"/>
               </a:rPr>
-              <a:t>免费技术支持</a:t>
-            </a:r>
-            <a:r>
-              <a:rPr lang="zh-CN" altLang="en-US" sz="2000" dirty="0" smtClean="0">
-                <a:solidFill>
-                  <a:schemeClr val="tx1">
-                    <a:lumMod val="65000"/>
-                    <a:lumOff val="35000"/>
-                  </a:schemeClr>
-                </a:solidFill>
-                <a:latin typeface="微软雅黑" panose="020B0503020204020204" pitchFamily="34" charset="-122"/>
-                <a:ea typeface="微软雅黑" panose="020B0503020204020204" pitchFamily="34" charset="-122"/>
-              </a:rPr>
-              <a:t>服务</a:t>
+              <a:t>免费技术支持服务</a:t>
             </a:r>
             <a:endParaRPr lang="en-US" altLang="zh-CN" sz="2000" dirty="0" smtClean="0">
               <a:solidFill>
@@ -34290,33 +34279,7 @@
                 <a:latin typeface="微软雅黑" panose="020B0503020204020204" pitchFamily="34" charset="-122"/>
                 <a:ea typeface="微软雅黑" panose="020B0503020204020204" pitchFamily="34" charset="-122"/>
               </a:rPr>
-              <a:t>付</a:t>
-            </a:r>
-            <a:r>
-              <a:rPr lang="zh-CN" altLang="en-US" sz="2000" dirty="0" smtClean="0">
-                <a:solidFill>
-                  <a:schemeClr val="tx1">
-                    <a:lumMod val="65000"/>
-                    <a:lumOff val="35000"/>
-                  </a:schemeClr>
-                </a:solidFill>
-                <a:latin typeface="微软雅黑" panose="020B0503020204020204" pitchFamily="34" charset="-122"/>
-                <a:ea typeface="微软雅黑" panose="020B0503020204020204" pitchFamily="34" charset="-122"/>
-              </a:rPr>
-              <a:t>费技术支持</a:t>
-            </a:r>
-            <a:r>
-              <a:rPr lang="zh-CN" altLang="en-US" sz="2000" dirty="0" smtClean="0">
-                <a:solidFill>
-                  <a:schemeClr val="tx1">
-                    <a:lumMod val="65000"/>
-                    <a:lumOff val="35000"/>
-                  </a:schemeClr>
-                </a:solidFill>
-                <a:latin typeface="微软雅黑" panose="020B0503020204020204" pitchFamily="34" charset="-122"/>
-                <a:ea typeface="微软雅黑" panose="020B0503020204020204" pitchFamily="34" charset="-122"/>
-              </a:rPr>
-              <a:t>服务</a:t>
+              <a:t>付费技术支持服务</a:t>
             </a:r>
             <a:endParaRPr lang="en-US" altLang="zh-CN" sz="2000" dirty="0" smtClean="0">
               <a:solidFill>
@@ -34459,7 +34422,7 @@
             <a:effectLst/>
             <a:extLst>
               <a:ext uri="{91240B29-F687-4F45-9708-019B960494DF}">
-                <a14:hiddenLine xmlns="" xmlns:a14="http://schemas.microsoft.com/office/drawing/2010/main" w="9525">
+                <a14:hiddenLine xmlns:a14="http://schemas.microsoft.com/office/drawing/2010/main" w="9525">
                   <a:solidFill>
                     <a:srgbClr val="000000"/>
                   </a:solidFill>
@@ -34572,7 +34535,7 @@
             </a:effectLst>
             <a:extLst>
               <a:ext uri="{91240B29-F687-4F45-9708-019B960494DF}">
-                <a14:hiddenLine xmlns="" xmlns:a14="http://schemas.microsoft.com/office/drawing/2010/main" w="9525">
+                <a14:hiddenLine xmlns:a14="http://schemas.microsoft.com/office/drawing/2010/main" w="9525">
                   <a:solidFill>
                     <a:srgbClr val="000000"/>
                   </a:solidFill>
@@ -34685,7 +34648,7 @@
             </a:effectLst>
             <a:extLst>
               <a:ext uri="{91240B29-F687-4F45-9708-019B960494DF}">
-                <a14:hiddenLine xmlns="" xmlns:a14="http://schemas.microsoft.com/office/drawing/2010/main" w="9525">
+                <a14:hiddenLine xmlns:a14="http://schemas.microsoft.com/office/drawing/2010/main" w="9525">
                   <a:solidFill>
                     <a:srgbClr val="000000"/>
                   </a:solidFill>
@@ -34798,7 +34761,7 @@
             </a:effectLst>
             <a:extLst>
               <a:ext uri="{91240B29-F687-4F45-9708-019B960494DF}">
-                <a14:hiddenLine xmlns="" xmlns:a14="http://schemas.microsoft.com/office/drawing/2010/main" w="9525">
+                <a14:hiddenLine xmlns:a14="http://schemas.microsoft.com/office/drawing/2010/main" w="9525">
                   <a:solidFill>
                     <a:srgbClr val="000000"/>
                   </a:solidFill>
@@ -35774,7 +35737,7 @@
           </a:ln>
           <a:extLst>
             <a:ext uri="{91240B29-F687-4F45-9708-019B960494DF}">
-              <a14:hiddenLine xmlns="" xmlns:a14="http://schemas.microsoft.com/office/drawing/2010/main" w="9525">
+              <a14:hiddenLine xmlns:a14="http://schemas.microsoft.com/office/drawing/2010/main" w="9525">
                 <a:solidFill>
                   <a:srgbClr val="000000"/>
                 </a:solidFill>
@@ -36100,7 +36063,7 @@
           </a:ln>
           <a:extLst>
             <a:ext uri="{91240B29-F687-4F45-9708-019B960494DF}">
-              <a14:hiddenLine xmlns="" xmlns:a14="http://schemas.microsoft.com/office/drawing/2010/main" w="9525">
+              <a14:hiddenLine xmlns:a14="http://schemas.microsoft.com/office/drawing/2010/main" w="9525">
                 <a:solidFill>
                   <a:srgbClr val="000000"/>
                 </a:solidFill>
@@ -36266,7 +36229,7 @@
           </a:ln>
           <a:extLst>
             <a:ext uri="{91240B29-F687-4F45-9708-019B960494DF}">
-              <a14:hiddenLine xmlns="" xmlns:a14="http://schemas.microsoft.com/office/drawing/2010/main" w="9525">
+              <a14:hiddenLine xmlns:a14="http://schemas.microsoft.com/office/drawing/2010/main" w="9525">
                 <a:solidFill>
                   <a:srgbClr val="000000"/>
                 </a:solidFill>
@@ -36422,7 +36385,7 @@
           </a:ln>
           <a:extLst>
             <a:ext uri="{91240B29-F687-4F45-9708-019B960494DF}">
-              <a14:hiddenLine xmlns="" xmlns:a14="http://schemas.microsoft.com/office/drawing/2010/main" w="9525">
+              <a14:hiddenLine xmlns:a14="http://schemas.microsoft.com/office/drawing/2010/main" w="9525">
                 <a:solidFill>
                   <a:srgbClr val="000000"/>
                 </a:solidFill>
@@ -36552,7 +36515,7 @@
           </a:ln>
           <a:extLst>
             <a:ext uri="{91240B29-F687-4F45-9708-019B960494DF}">
-              <a14:hiddenLine xmlns="" xmlns:a14="http://schemas.microsoft.com/office/drawing/2010/main" w="9525">
+              <a14:hiddenLine xmlns:a14="http://schemas.microsoft.com/office/drawing/2010/main" w="9525">
                 <a:solidFill>
                   <a:srgbClr val="000000"/>
                 </a:solidFill>
@@ -36798,7 +36761,7 @@
           </a:ln>
           <a:extLst>
             <a:ext uri="{91240B29-F687-4F45-9708-019B960494DF}">
-              <a14:hiddenLine xmlns="" xmlns:a14="http://schemas.microsoft.com/office/drawing/2010/main" w="9525">
+              <a14:hiddenLine xmlns:a14="http://schemas.microsoft.com/office/drawing/2010/main" w="9525">
                 <a:solidFill>
                   <a:srgbClr val="000000"/>
                 </a:solidFill>
@@ -37154,7 +37117,7 @@
           </a:ln>
           <a:extLst>
             <a:ext uri="{91240B29-F687-4F45-9708-019B960494DF}">
-              <a14:hiddenLine xmlns="" xmlns:a14="http://schemas.microsoft.com/office/drawing/2010/main" w="9525">
+              <a14:hiddenLine xmlns:a14="http://schemas.microsoft.com/office/drawing/2010/main" w="9525">
                 <a:solidFill>
                   <a:srgbClr val="000000"/>
                 </a:solidFill>
@@ -37357,7 +37320,7 @@
           </a:ln>
           <a:extLst>
             <a:ext uri="{91240B29-F687-4F45-9708-019B960494DF}">
-              <a14:hiddenLine xmlns="" xmlns:a14="http://schemas.microsoft.com/office/drawing/2010/main" w="9525">
+              <a14:hiddenLine xmlns:a14="http://schemas.microsoft.com/office/drawing/2010/main" w="9525">
                 <a:solidFill>
                   <a:srgbClr val="000000"/>
                 </a:solidFill>
@@ -38053,7 +38016,7 @@
           </a:ln>
           <a:extLst>
             <a:ext uri="{91240B29-F687-4F45-9708-019B960494DF}">
-              <a14:hiddenLine xmlns="" xmlns:a14="http://schemas.microsoft.com/office/drawing/2010/main" w="9525">
+              <a14:hiddenLine xmlns:a14="http://schemas.microsoft.com/office/drawing/2010/main" w="9525">
                 <a:solidFill>
                   <a:srgbClr val="000000"/>
                 </a:solidFill>
@@ -38447,7 +38410,7 @@
           </a:ln>
           <a:extLst>
             <a:ext uri="{91240B29-F687-4F45-9708-019B960494DF}">
-              <a14:hiddenLine xmlns="" xmlns:a14="http://schemas.microsoft.com/office/drawing/2010/main" w="9525">
+              <a14:hiddenLine xmlns:a14="http://schemas.microsoft.com/office/drawing/2010/main" w="9525">
                 <a:solidFill>
                   <a:srgbClr val="000000"/>
                 </a:solidFill>
@@ -39052,7 +39015,7 @@
           </a:ln>
           <a:extLst>
             <a:ext uri="{91240B29-F687-4F45-9708-019B960494DF}">
-              <a14:hiddenLine xmlns="" xmlns:a14="http://schemas.microsoft.com/office/drawing/2010/main" w="9525">
+              <a14:hiddenLine xmlns:a14="http://schemas.microsoft.com/office/drawing/2010/main" w="9525">
                 <a:solidFill>
                   <a:srgbClr val="000000"/>
                 </a:solidFill>
@@ -39493,7 +39456,7 @@
           </a:ln>
           <a:extLst>
             <a:ext uri="{91240B29-F687-4F45-9708-019B960494DF}">
-              <a14:hiddenLine xmlns="" xmlns:a14="http://schemas.microsoft.com/office/drawing/2010/main" w="9525">
+              <a14:hiddenLine xmlns:a14="http://schemas.microsoft.com/office/drawing/2010/main" w="9525">
                 <a:solidFill>
                   <a:srgbClr val="000000"/>
                 </a:solidFill>
@@ -40277,14 +40240,14 @@
           </a:ln>
           <a:extLst>
             <a:ext uri="{909E8E84-426E-40DD-AFC4-6F175D3DCCD1}">
-              <a14:hiddenFill xmlns:a14="http://schemas.microsoft.com/office/drawing/2010/main" xmlns="">
+              <a14:hiddenFill xmlns:a14="http://schemas.microsoft.com/office/drawing/2010/main">
                 <a:solidFill>
                   <a:srgbClr val="FFFFFF"/>
                 </a:solidFill>
               </a14:hiddenFill>
             </a:ext>
             <a:ext uri="{91240B29-F687-4F45-9708-019B960494DF}">
-              <a14:hiddenLine xmlns:a14="http://schemas.microsoft.com/office/drawing/2010/main" xmlns="" w="9525">
+              <a14:hiddenLine xmlns:a14="http://schemas.microsoft.com/office/drawing/2010/main" w="9525">
                 <a:solidFill>
                   <a:srgbClr val="000000"/>
                 </a:solidFill>
@@ -40387,14 +40350,14 @@
           </a:ln>
           <a:extLst>
             <a:ext uri="{909E8E84-426E-40DD-AFC4-6F175D3DCCD1}">
-              <a14:hiddenFill xmlns:a14="http://schemas.microsoft.com/office/drawing/2010/main" xmlns="">
+              <a14:hiddenFill xmlns:a14="http://schemas.microsoft.com/office/drawing/2010/main">
                 <a:solidFill>
                   <a:srgbClr val="FFFFFF"/>
                 </a:solidFill>
               </a14:hiddenFill>
             </a:ext>
             <a:ext uri="{91240B29-F687-4F45-9708-019B960494DF}">
-              <a14:hiddenLine xmlns:a14="http://schemas.microsoft.com/office/drawing/2010/main" xmlns="" w="9525">
+              <a14:hiddenLine xmlns:a14="http://schemas.microsoft.com/office/drawing/2010/main" w="9525">
                 <a:solidFill>
                   <a:srgbClr val="000000"/>
                 </a:solidFill>
@@ -40538,7 +40501,7 @@
           </a:ln>
           <a:extLst>
             <a:ext uri="{91240B29-F687-4F45-9708-019B960494DF}">
-              <a14:hiddenLine xmlns:a14="http://schemas.microsoft.com/office/drawing/2010/main" xmlns="" w="9525">
+              <a14:hiddenLine xmlns:a14="http://schemas.microsoft.com/office/drawing/2010/main" w="9525">
                 <a:solidFill>
                   <a:srgbClr val="000000"/>
                 </a:solidFill>
@@ -40641,14 +40604,14 @@
           </a:ln>
           <a:extLst>
             <a:ext uri="{909E8E84-426E-40DD-AFC4-6F175D3DCCD1}">
-              <a14:hiddenFill xmlns:a14="http://schemas.microsoft.com/office/drawing/2010/main" xmlns="">
+              <a14:hiddenFill xmlns:a14="http://schemas.microsoft.com/office/drawing/2010/main">
                 <a:solidFill>
                   <a:srgbClr val="FFFFFF"/>
                 </a:solidFill>
               </a14:hiddenFill>
             </a:ext>
             <a:ext uri="{91240B29-F687-4F45-9708-019B960494DF}">
-              <a14:hiddenLine xmlns:a14="http://schemas.microsoft.com/office/drawing/2010/main" xmlns="" w="9525">
+              <a14:hiddenLine xmlns:a14="http://schemas.microsoft.com/office/drawing/2010/main" w="9525">
                 <a:solidFill>
                   <a:srgbClr val="000000"/>
                 </a:solidFill>
@@ -40754,7 +40717,7 @@
           </a:ln>
           <a:extLst>
             <a:ext uri="{91240B29-F687-4F45-9708-019B960494DF}">
-              <a14:hiddenLine xmlns:a14="http://schemas.microsoft.com/office/drawing/2010/main" xmlns="" w="9525">
+              <a14:hiddenLine xmlns:a14="http://schemas.microsoft.com/office/drawing/2010/main" w="9525">
                 <a:solidFill>
                   <a:srgbClr val="000000"/>
                 </a:solidFill>
@@ -40857,14 +40820,14 @@
           </a:ln>
           <a:extLst>
             <a:ext uri="{909E8E84-426E-40DD-AFC4-6F175D3DCCD1}">
-              <a14:hiddenFill xmlns:a14="http://schemas.microsoft.com/office/drawing/2010/main" xmlns="">
+              <a14:hiddenFill xmlns:a14="http://schemas.microsoft.com/office/drawing/2010/main">
                 <a:solidFill>
                   <a:srgbClr val="FFFFFF"/>
                 </a:solidFill>
               </a14:hiddenFill>
             </a:ext>
             <a:ext uri="{91240B29-F687-4F45-9708-019B960494DF}">
-              <a14:hiddenLine xmlns:a14="http://schemas.microsoft.com/office/drawing/2010/main" xmlns="" w="9525">
+              <a14:hiddenLine xmlns:a14="http://schemas.microsoft.com/office/drawing/2010/main" w="9525">
                 <a:solidFill>
                   <a:srgbClr val="000000"/>
                 </a:solidFill>
@@ -40970,7 +40933,7 @@
           </a:ln>
           <a:extLst>
             <a:ext uri="{91240B29-F687-4F45-9708-019B960494DF}">
-              <a14:hiddenLine xmlns:a14="http://schemas.microsoft.com/office/drawing/2010/main" xmlns="" w="9525">
+              <a14:hiddenLine xmlns:a14="http://schemas.microsoft.com/office/drawing/2010/main" w="9525">
                 <a:solidFill>
                   <a:srgbClr val="000000"/>
                 </a:solidFill>
@@ -41073,14 +41036,14 @@
           </a:ln>
           <a:extLst>
             <a:ext uri="{909E8E84-426E-40DD-AFC4-6F175D3DCCD1}">
-              <a14:hiddenFill xmlns:a14="http://schemas.microsoft.com/office/drawing/2010/main" xmlns="">
+              <a14:hiddenFill xmlns:a14="http://schemas.microsoft.com/office/drawing/2010/main">
                 <a:solidFill>
                   <a:srgbClr val="FFFFFF"/>
                 </a:solidFill>
               </a14:hiddenFill>
             </a:ext>
             <a:ext uri="{91240B29-F687-4F45-9708-019B960494DF}">
-              <a14:hiddenLine xmlns:a14="http://schemas.microsoft.com/office/drawing/2010/main" xmlns="" w="9525">
+              <a14:hiddenLine xmlns:a14="http://schemas.microsoft.com/office/drawing/2010/main" w="9525">
                 <a:solidFill>
                   <a:srgbClr val="000000"/>
                 </a:solidFill>
@@ -41186,7 +41149,7 @@
           </a:ln>
           <a:extLst>
             <a:ext uri="{91240B29-F687-4F45-9708-019B960494DF}">
-              <a14:hiddenLine xmlns:a14="http://schemas.microsoft.com/office/drawing/2010/main" xmlns="" w="9525">
+              <a14:hiddenLine xmlns:a14="http://schemas.microsoft.com/office/drawing/2010/main" w="9525">
                 <a:solidFill>
                   <a:srgbClr val="000000"/>
                 </a:solidFill>
@@ -41289,14 +41252,14 @@
           </a:ln>
           <a:extLst>
             <a:ext uri="{909E8E84-426E-40DD-AFC4-6F175D3DCCD1}">
-              <a14:hiddenFill xmlns:a14="http://schemas.microsoft.com/office/drawing/2010/main" xmlns="">
+              <a14:hiddenFill xmlns:a14="http://schemas.microsoft.com/office/drawing/2010/main">
                 <a:solidFill>
                   <a:srgbClr val="FFFFFF"/>
                 </a:solidFill>
               </a14:hiddenFill>
             </a:ext>
             <a:ext uri="{91240B29-F687-4F45-9708-019B960494DF}">
-              <a14:hiddenLine xmlns:a14="http://schemas.microsoft.com/office/drawing/2010/main" xmlns="" w="9525">
+              <a14:hiddenLine xmlns:a14="http://schemas.microsoft.com/office/drawing/2010/main" w="9525">
                 <a:solidFill>
                   <a:srgbClr val="000000"/>
                 </a:solidFill>
@@ -41343,7 +41306,7 @@
           </a:ln>
           <a:extLst>
             <a:ext uri="{91240B29-F687-4F45-9708-019B960494DF}">
-              <a14:hiddenLine xmlns:a14="http://schemas.microsoft.com/office/drawing/2010/main" xmlns="" w="9525">
+              <a14:hiddenLine xmlns:a14="http://schemas.microsoft.com/office/drawing/2010/main" w="9525">
                 <a:solidFill>
                   <a:srgbClr val="000000"/>
                 </a:solidFill>
@@ -41481,7 +41444,7 @@
           </a:ln>
           <a:extLst>
             <a:ext uri="{91240B29-F687-4F45-9708-019B960494DF}">
-              <a14:hiddenLine xmlns:a14="http://schemas.microsoft.com/office/drawing/2010/main" xmlns="" w="9525">
+              <a14:hiddenLine xmlns:a14="http://schemas.microsoft.com/office/drawing/2010/main" w="9525">
                 <a:solidFill>
                   <a:srgbClr val="000000"/>
                 </a:solidFill>
@@ -41595,7 +41558,7 @@
           </a:ln>
           <a:extLst>
             <a:ext uri="{91240B29-F687-4F45-9708-019B960494DF}">
-              <a14:hiddenLine xmlns:a14="http://schemas.microsoft.com/office/drawing/2010/main" xmlns="" w="9525">
+              <a14:hiddenLine xmlns:a14="http://schemas.microsoft.com/office/drawing/2010/main" w="9525">
                 <a:solidFill>
                   <a:srgbClr val="000000"/>
                 </a:solidFill>
@@ -41709,7 +41672,7 @@
           </a:ln>
           <a:extLst>
             <a:ext uri="{91240B29-F687-4F45-9708-019B960494DF}">
-              <a14:hiddenLine xmlns:a14="http://schemas.microsoft.com/office/drawing/2010/main" xmlns="" w="9525">
+              <a14:hiddenLine xmlns:a14="http://schemas.microsoft.com/office/drawing/2010/main" w="9525">
                 <a:solidFill>
                   <a:srgbClr val="000000"/>
                 </a:solidFill>
@@ -41823,7 +41786,7 @@
           </a:ln>
           <a:extLst>
             <a:ext uri="{91240B29-F687-4F45-9708-019B960494DF}">
-              <a14:hiddenLine xmlns:a14="http://schemas.microsoft.com/office/drawing/2010/main" xmlns="" w="9525">
+              <a14:hiddenLine xmlns:a14="http://schemas.microsoft.com/office/drawing/2010/main" w="9525">
                 <a:solidFill>
                   <a:srgbClr val="000000"/>
                 </a:solidFill>
@@ -41963,7 +41926,7 @@
             </a:ln>
             <a:extLst>
               <a:ext uri="{91240B29-F687-4F45-9708-019B960494DF}">
-                <a14:hiddenLine xmlns:a14="http://schemas.microsoft.com/office/drawing/2010/main" xmlns="" w="9525">
+                <a14:hiddenLine xmlns:a14="http://schemas.microsoft.com/office/drawing/2010/main" w="9525">
                   <a:solidFill>
                     <a:srgbClr val="000000"/>
                   </a:solidFill>
@@ -42089,7 +42052,7 @@
             </a:ln>
             <a:extLst>
               <a:ext uri="{91240B29-F687-4F45-9708-019B960494DF}">
-                <a14:hiddenLine xmlns:a14="http://schemas.microsoft.com/office/drawing/2010/main" xmlns="" w="9525">
+                <a14:hiddenLine xmlns:a14="http://schemas.microsoft.com/office/drawing/2010/main" w="9525">
                   <a:solidFill>
                     <a:srgbClr val="000000"/>
                   </a:solidFill>
@@ -42215,7 +42178,7 @@
             </a:ln>
             <a:extLst>
               <a:ext uri="{91240B29-F687-4F45-9708-019B960494DF}">
-                <a14:hiddenLine xmlns:a14="http://schemas.microsoft.com/office/drawing/2010/main" xmlns="" w="9525">
+                <a14:hiddenLine xmlns:a14="http://schemas.microsoft.com/office/drawing/2010/main" w="9525">
                   <a:solidFill>
                     <a:srgbClr val="000000"/>
                   </a:solidFill>
@@ -42341,7 +42304,7 @@
             </a:ln>
             <a:extLst>
               <a:ext uri="{91240B29-F687-4F45-9708-019B960494DF}">
-                <a14:hiddenLine xmlns:a14="http://schemas.microsoft.com/office/drawing/2010/main" xmlns="" w="9525">
+                <a14:hiddenLine xmlns:a14="http://schemas.microsoft.com/office/drawing/2010/main" w="9525">
                   <a:solidFill>
                     <a:srgbClr val="000000"/>
                   </a:solidFill>
@@ -42467,7 +42430,7 @@
             </a:ln>
             <a:extLst>
               <a:ext uri="{91240B29-F687-4F45-9708-019B960494DF}">
-                <a14:hiddenLine xmlns:a14="http://schemas.microsoft.com/office/drawing/2010/main" xmlns="" w="9525">
+                <a14:hiddenLine xmlns:a14="http://schemas.microsoft.com/office/drawing/2010/main" w="9525">
                   <a:solidFill>
                     <a:srgbClr val="000000"/>
                   </a:solidFill>
@@ -42608,7 +42571,7 @@
             </a:ln>
             <a:extLst>
               <a:ext uri="{91240B29-F687-4F45-9708-019B960494DF}">
-                <a14:hiddenLine xmlns:a14="http://schemas.microsoft.com/office/drawing/2010/main" xmlns="" w="9525">
+                <a14:hiddenLine xmlns:a14="http://schemas.microsoft.com/office/drawing/2010/main" w="9525">
                   <a:solidFill>
                     <a:srgbClr val="000000"/>
                   </a:solidFill>
@@ -42734,7 +42697,7 @@
             </a:ln>
             <a:extLst>
               <a:ext uri="{91240B29-F687-4F45-9708-019B960494DF}">
-                <a14:hiddenLine xmlns:a14="http://schemas.microsoft.com/office/drawing/2010/main" xmlns="" w="9525">
+                <a14:hiddenLine xmlns:a14="http://schemas.microsoft.com/office/drawing/2010/main" w="9525">
                   <a:solidFill>
                     <a:srgbClr val="000000"/>
                   </a:solidFill>
@@ -42860,7 +42823,7 @@
             </a:ln>
             <a:extLst>
               <a:ext uri="{91240B29-F687-4F45-9708-019B960494DF}">
-                <a14:hiddenLine xmlns:a14="http://schemas.microsoft.com/office/drawing/2010/main" xmlns="" w="9525">
+                <a14:hiddenLine xmlns:a14="http://schemas.microsoft.com/office/drawing/2010/main" w="9525">
                   <a:solidFill>
                     <a:srgbClr val="000000"/>
                   </a:solidFill>
@@ -42986,7 +42949,7 @@
             </a:ln>
             <a:extLst>
               <a:ext uri="{91240B29-F687-4F45-9708-019B960494DF}">
-                <a14:hiddenLine xmlns:a14="http://schemas.microsoft.com/office/drawing/2010/main" xmlns="" w="9525">
+                <a14:hiddenLine xmlns:a14="http://schemas.microsoft.com/office/drawing/2010/main" w="9525">
                   <a:solidFill>
                     <a:srgbClr val="000000"/>
                   </a:solidFill>
@@ -43112,7 +43075,7 @@
             </a:ln>
             <a:extLst>
               <a:ext uri="{91240B29-F687-4F45-9708-019B960494DF}">
-                <a14:hiddenLine xmlns:a14="http://schemas.microsoft.com/office/drawing/2010/main" xmlns="" w="9525">
+                <a14:hiddenLine xmlns:a14="http://schemas.microsoft.com/office/drawing/2010/main" w="9525">
                   <a:solidFill>
                     <a:srgbClr val="000000"/>
                   </a:solidFill>
@@ -43226,7 +43189,7 @@
             </a:ln>
             <a:extLst>
               <a:ext uri="{91240B29-F687-4F45-9708-019B960494DF}">
-                <a14:hiddenLine xmlns:a14="http://schemas.microsoft.com/office/drawing/2010/main" xmlns="" w="9525">
+                <a14:hiddenLine xmlns:a14="http://schemas.microsoft.com/office/drawing/2010/main" w="9525">
                   <a:solidFill>
                     <a:srgbClr val="000000"/>
                   </a:solidFill>
@@ -43352,7 +43315,7 @@
             </a:ln>
             <a:extLst>
               <a:ext uri="{91240B29-F687-4F45-9708-019B960494DF}">
-                <a14:hiddenLine xmlns:a14="http://schemas.microsoft.com/office/drawing/2010/main" xmlns="" w="9525">
+                <a14:hiddenLine xmlns:a14="http://schemas.microsoft.com/office/drawing/2010/main" w="9525">
                   <a:solidFill>
                     <a:srgbClr val="000000"/>
                   </a:solidFill>
@@ -43414,7 +43377,7 @@
             </a:ln>
             <a:extLst>
               <a:ext uri="{91240B29-F687-4F45-9708-019B960494DF}">
-                <a14:hiddenLine xmlns:a14="http://schemas.microsoft.com/office/drawing/2010/main" xmlns="" w="9525">
+                <a14:hiddenLine xmlns:a14="http://schemas.microsoft.com/office/drawing/2010/main" w="9525">
                   <a:solidFill>
                     <a:srgbClr val="000000"/>
                   </a:solidFill>
@@ -43560,7 +43523,7 @@
             </a:ln>
             <a:extLst>
               <a:ext uri="{91240B29-F687-4F45-9708-019B960494DF}">
-                <a14:hiddenLine xmlns:a14="http://schemas.microsoft.com/office/drawing/2010/main" xmlns="" w="9525">
+                <a14:hiddenLine xmlns:a14="http://schemas.microsoft.com/office/drawing/2010/main" w="9525">
                   <a:solidFill>
                     <a:srgbClr val="000000"/>
                   </a:solidFill>
@@ -43607,7 +43570,7 @@
             </a:ln>
             <a:extLst>
               <a:ext uri="{91240B29-F687-4F45-9708-019B960494DF}">
-                <a14:hiddenLine xmlns:a14="http://schemas.microsoft.com/office/drawing/2010/main" xmlns="" w="9525">
+                <a14:hiddenLine xmlns:a14="http://schemas.microsoft.com/office/drawing/2010/main" w="9525">
                   <a:solidFill>
                     <a:srgbClr val="000000"/>
                   </a:solidFill>
@@ -43753,7 +43716,7 @@
             </a:ln>
             <a:extLst>
               <a:ext uri="{91240B29-F687-4F45-9708-019B960494DF}">
-                <a14:hiddenLine xmlns:a14="http://schemas.microsoft.com/office/drawing/2010/main" xmlns="" w="9525">
+                <a14:hiddenLine xmlns:a14="http://schemas.microsoft.com/office/drawing/2010/main" w="9525">
                   <a:solidFill>
                     <a:srgbClr val="000000"/>
                   </a:solidFill>
@@ -43800,7 +43763,7 @@
             </a:ln>
             <a:extLst>
               <a:ext uri="{91240B29-F687-4F45-9708-019B960494DF}">
-                <a14:hiddenLine xmlns:a14="http://schemas.microsoft.com/office/drawing/2010/main" xmlns="" w="9525">
+                <a14:hiddenLine xmlns:a14="http://schemas.microsoft.com/office/drawing/2010/main" w="9525">
                   <a:solidFill>
                     <a:srgbClr val="000000"/>
                   </a:solidFill>
@@ -43946,7 +43909,7 @@
             </a:ln>
             <a:extLst>
               <a:ext uri="{91240B29-F687-4F45-9708-019B960494DF}">
-                <a14:hiddenLine xmlns:a14="http://schemas.microsoft.com/office/drawing/2010/main" xmlns="" w="9525">
+                <a14:hiddenLine xmlns:a14="http://schemas.microsoft.com/office/drawing/2010/main" w="9525">
                   <a:solidFill>
                     <a:srgbClr val="000000"/>
                   </a:solidFill>
@@ -43993,7 +43956,7 @@
             </a:ln>
             <a:extLst>
               <a:ext uri="{91240B29-F687-4F45-9708-019B960494DF}">
-                <a14:hiddenLine xmlns:a14="http://schemas.microsoft.com/office/drawing/2010/main" xmlns="" w="9525">
+                <a14:hiddenLine xmlns:a14="http://schemas.microsoft.com/office/drawing/2010/main" w="9525">
                   <a:solidFill>
                     <a:srgbClr val="000000"/>
                   </a:solidFill>
@@ -44139,7 +44102,7 @@
             </a:ln>
             <a:extLst>
               <a:ext uri="{91240B29-F687-4F45-9708-019B960494DF}">
-                <a14:hiddenLine xmlns:a14="http://schemas.microsoft.com/office/drawing/2010/main" xmlns="" w="9525">
+                <a14:hiddenLine xmlns:a14="http://schemas.microsoft.com/office/drawing/2010/main" w="9525">
                   <a:solidFill>
                     <a:srgbClr val="000000"/>
                   </a:solidFill>
@@ -44186,7 +44149,7 @@
             </a:ln>
             <a:extLst>
               <a:ext uri="{91240B29-F687-4F45-9708-019B960494DF}">
-                <a14:hiddenLine xmlns:a14="http://schemas.microsoft.com/office/drawing/2010/main" xmlns="" w="9525">
+                <a14:hiddenLine xmlns:a14="http://schemas.microsoft.com/office/drawing/2010/main" w="9525">
                   <a:solidFill>
                     <a:srgbClr val="000000"/>
                   </a:solidFill>
@@ -44332,7 +44295,7 @@
             </a:ln>
             <a:extLst>
               <a:ext uri="{91240B29-F687-4F45-9708-019B960494DF}">
-                <a14:hiddenLine xmlns:a14="http://schemas.microsoft.com/office/drawing/2010/main" xmlns="" w="9525">
+                <a14:hiddenLine xmlns:a14="http://schemas.microsoft.com/office/drawing/2010/main" w="9525">
                   <a:solidFill>
                     <a:srgbClr val="000000"/>
                   </a:solidFill>
@@ -44502,7 +44465,7 @@
             </a:ln>
             <a:extLst>
               <a:ext uri="{91240B29-F687-4F45-9708-019B960494DF}">
-                <a14:hiddenLine xmlns:a14="http://schemas.microsoft.com/office/drawing/2010/main" xmlns="" w="9525">
+                <a14:hiddenLine xmlns:a14="http://schemas.microsoft.com/office/drawing/2010/main" w="9525">
                   <a:solidFill>
                     <a:srgbClr val="000000"/>
                   </a:solidFill>
@@ -44697,7 +44660,7 @@
             </a:ln>
             <a:extLst>
               <a:ext uri="{91240B29-F687-4F45-9708-019B960494DF}">
-                <a14:hiddenLine xmlns:a14="http://schemas.microsoft.com/office/drawing/2010/main" xmlns="" w="9525">
+                <a14:hiddenLine xmlns:a14="http://schemas.microsoft.com/office/drawing/2010/main" w="9525">
                   <a:solidFill>
                     <a:srgbClr val="000000"/>
                   </a:solidFill>
@@ -44932,7 +44895,7 @@
             </a:ln>
             <a:extLst>
               <a:ext uri="{91240B29-F687-4F45-9708-019B960494DF}">
-                <a14:hiddenLine xmlns:a14="http://schemas.microsoft.com/office/drawing/2010/main" xmlns="" w="9525">
+                <a14:hiddenLine xmlns:a14="http://schemas.microsoft.com/office/drawing/2010/main" w="9525">
                   <a:solidFill>
                     <a:srgbClr val="000000"/>
                   </a:solidFill>
@@ -44979,7 +44942,7 @@
             </a:ln>
             <a:extLst>
               <a:ext uri="{91240B29-F687-4F45-9708-019B960494DF}">
-                <a14:hiddenLine xmlns:a14="http://schemas.microsoft.com/office/drawing/2010/main" xmlns="" w="9525">
+                <a14:hiddenLine xmlns:a14="http://schemas.microsoft.com/office/drawing/2010/main" w="9525">
                   <a:solidFill>
                     <a:srgbClr val="000000"/>
                   </a:solidFill>
@@ -45026,7 +44989,7 @@
             </a:ln>
             <a:extLst>
               <a:ext uri="{91240B29-F687-4F45-9708-019B960494DF}">
-                <a14:hiddenLine xmlns:a14="http://schemas.microsoft.com/office/drawing/2010/main" xmlns="" w="9525">
+                <a14:hiddenLine xmlns:a14="http://schemas.microsoft.com/office/drawing/2010/main" w="9525">
                   <a:solidFill>
                     <a:srgbClr val="000000"/>
                   </a:solidFill>
@@ -45073,7 +45036,7 @@
             </a:ln>
             <a:extLst>
               <a:ext uri="{91240B29-F687-4F45-9708-019B960494DF}">
-                <a14:hiddenLine xmlns:a14="http://schemas.microsoft.com/office/drawing/2010/main" xmlns="" w="9525">
+                <a14:hiddenLine xmlns:a14="http://schemas.microsoft.com/office/drawing/2010/main" w="9525">
                   <a:solidFill>
                     <a:srgbClr val="000000"/>
                   </a:solidFill>
@@ -45120,7 +45083,7 @@
             </a:ln>
             <a:extLst>
               <a:ext uri="{91240B29-F687-4F45-9708-019B960494DF}">
-                <a14:hiddenLine xmlns:a14="http://schemas.microsoft.com/office/drawing/2010/main" xmlns="" w="9525">
+                <a14:hiddenLine xmlns:a14="http://schemas.microsoft.com/office/drawing/2010/main" w="9525">
                   <a:solidFill>
                     <a:srgbClr val="000000"/>
                   </a:solidFill>
@@ -45403,7 +45366,7 @@
                 <a:ea typeface="Arial Unicode MS" panose="020B0604020202020204" pitchFamily="34" charset="-122"/>
                 <a:cs typeface="Arial Unicode MS" panose="020B0604020202020204" pitchFamily="34" charset="-122"/>
               </a:rPr>
-              <a:t>开源免费</a:t>
+              <a:t>代码开源</a:t>
             </a:r>
             <a:endParaRPr lang="en-US" altLang="zh-CN" sz="2000" dirty="0" smtClean="0">
               <a:solidFill>
@@ -45490,8 +45453,8 @@
         </p:nvSpPr>
         <p:spPr>
           <a:xfrm>
-            <a:off x="8718739" y="4790333"/>
-            <a:ext cx="1980029" cy="707886"/>
+            <a:off x="9300633" y="4831898"/>
+            <a:ext cx="713657" cy="400110"/>
           </a:xfrm>
           <a:prstGeom prst="rect">
             <a:avLst/>
@@ -45504,38 +45467,6 @@
           </a:bodyPr>
           <a:lstStyle/>
           <a:p>
-            <a:r>
-              <a:rPr lang="zh-CN" altLang="en-US" sz="2000" dirty="0" smtClean="0">
-                <a:solidFill>
-                  <a:schemeClr val="bg1"/>
-                </a:solidFill>
-                <a:latin typeface="Arial Unicode MS" panose="020B0604020202020204" pitchFamily="34" charset="-122"/>
-                <a:ea typeface="Arial Unicode MS" panose="020B0604020202020204" pitchFamily="34" charset="-122"/>
-                <a:cs typeface="Arial Unicode MS" panose="020B0604020202020204" pitchFamily="34" charset="-122"/>
-              </a:rPr>
-              <a:t>切入点：进销存</a:t>
-            </a:r>
-            <a:endParaRPr lang="en-US" altLang="zh-CN" sz="2000" dirty="0" smtClean="0">
-              <a:solidFill>
-                <a:schemeClr val="bg1"/>
-              </a:solidFill>
-              <a:latin typeface="Arial Unicode MS" panose="020B0604020202020204" pitchFamily="34" charset="-122"/>
-              <a:ea typeface="Arial Unicode MS" panose="020B0604020202020204" pitchFamily="34" charset="-122"/>
-              <a:cs typeface="Arial Unicode MS" panose="020B0604020202020204" pitchFamily="34" charset="-122"/>
-            </a:endParaRPr>
-          </a:p>
-          <a:p>
-            <a:r>
-              <a:rPr lang="zh-CN" altLang="en-US" sz="2000" dirty="0" smtClean="0">
-                <a:solidFill>
-                  <a:schemeClr val="bg1"/>
-                </a:solidFill>
-                <a:latin typeface="Arial Unicode MS" panose="020B0604020202020204" pitchFamily="34" charset="-122"/>
-                <a:ea typeface="Arial Unicode MS" panose="020B0604020202020204" pitchFamily="34" charset="-122"/>
-                <a:cs typeface="Arial Unicode MS" panose="020B0604020202020204" pitchFamily="34" charset="-122"/>
-              </a:rPr>
-              <a:t>目    标：</a:t>
-            </a:r>
             <a:r>
               <a:rPr lang="en-US" altLang="zh-CN" sz="2000" dirty="0" smtClean="0">
                 <a:solidFill>
@@ -45692,7 +45623,20 @@
                 <a:latin typeface="微软雅黑" panose="020B0503020204020204" pitchFamily="34" charset="-122"/>
                 <a:ea typeface="微软雅黑" panose="020B0503020204020204" pitchFamily="34" charset="-122"/>
               </a:rPr>
-              <a:t>商业模式：开源免费</a:t>
+              <a:t>商业模式</a:t>
+            </a:r>
+            <a:r>
+              <a:rPr lang="zh-CN" altLang="en-US" sz="3200" dirty="0" smtClean="0">
+                <a:solidFill>
+                  <a:schemeClr val="tx1">
+                    <a:lumMod val="65000"/>
+                    <a:lumOff val="35000"/>
+                  </a:schemeClr>
+                </a:solidFill>
+                <a:latin typeface="微软雅黑" panose="020B0503020204020204" pitchFamily="34" charset="-122"/>
+                <a:ea typeface="微软雅黑" panose="020B0503020204020204" pitchFamily="34" charset="-122"/>
+              </a:rPr>
+              <a:t>：代码开源</a:t>
             </a:r>
             <a:endParaRPr lang="en-US" altLang="zh-CN" sz="3200" dirty="0" smtClean="0">
               <a:solidFill>
@@ -45989,7 +45933,7 @@
             </a:ln>
             <a:extLst>
               <a:ext uri="{91240B29-F687-4F45-9708-019B960494DF}">
-                <a14:hiddenLine xmlns="" xmlns:a14="http://schemas.microsoft.com/office/drawing/2010/main" w="9525">
+                <a14:hiddenLine xmlns:a14="http://schemas.microsoft.com/office/drawing/2010/main" w="9525">
                   <a:solidFill>
                     <a:srgbClr val="000000"/>
                   </a:solidFill>
@@ -46113,7 +46057,7 @@
             </a:ln>
             <a:extLst>
               <a:ext uri="{91240B29-F687-4F45-9708-019B960494DF}">
-                <a14:hiddenLine xmlns="" xmlns:a14="http://schemas.microsoft.com/office/drawing/2010/main" w="9525">
+                <a14:hiddenLine xmlns:a14="http://schemas.microsoft.com/office/drawing/2010/main" w="9525">
                   <a:solidFill>
                     <a:srgbClr val="000000"/>
                   </a:solidFill>
@@ -46237,7 +46181,7 @@
             </a:ln>
             <a:extLst>
               <a:ext uri="{91240B29-F687-4F45-9708-019B960494DF}">
-                <a14:hiddenLine xmlns="" xmlns:a14="http://schemas.microsoft.com/office/drawing/2010/main" w="9525">
+                <a14:hiddenLine xmlns:a14="http://schemas.microsoft.com/office/drawing/2010/main" w="9525">
                   <a:solidFill>
                     <a:srgbClr val="000000"/>
                   </a:solidFill>
@@ -46361,7 +46305,7 @@
             </a:ln>
             <a:extLst>
               <a:ext uri="{91240B29-F687-4F45-9708-019B960494DF}">
-                <a14:hiddenLine xmlns="" xmlns:a14="http://schemas.microsoft.com/office/drawing/2010/main" w="9525">
+                <a14:hiddenLine xmlns:a14="http://schemas.microsoft.com/office/drawing/2010/main" w="9525">
                   <a:solidFill>
                     <a:srgbClr val="000000"/>
                   </a:solidFill>
@@ -46485,7 +46429,7 @@
             </a:ln>
             <a:extLst>
               <a:ext uri="{91240B29-F687-4F45-9708-019B960494DF}">
-                <a14:hiddenLine xmlns="" xmlns:a14="http://schemas.microsoft.com/office/drawing/2010/main" w="9525">
+                <a14:hiddenLine xmlns:a14="http://schemas.microsoft.com/office/drawing/2010/main" w="9525">
                   <a:solidFill>
                     <a:srgbClr val="000000"/>
                   </a:solidFill>
@@ -46741,7 +46685,7 @@
             </a:ln>
             <a:extLst>
               <a:ext uri="{91240B29-F687-4F45-9708-019B960494DF}">
-                <a14:hiddenLine xmlns="" xmlns:a14="http://schemas.microsoft.com/office/drawing/2010/main" w="9525">
+                <a14:hiddenLine xmlns:a14="http://schemas.microsoft.com/office/drawing/2010/main" w="9525">
                   <a:solidFill>
                     <a:srgbClr val="000000"/>
                   </a:solidFill>
@@ -47245,7 +47189,7 @@
             </a:ln>
             <a:extLst>
               <a:ext uri="{91240B29-F687-4F45-9708-019B960494DF}">
-                <a14:hiddenLine xmlns="" xmlns:a14="http://schemas.microsoft.com/office/drawing/2010/main" w="9525">
+                <a14:hiddenLine xmlns:a14="http://schemas.microsoft.com/office/drawing/2010/main" w="9525">
                   <a:solidFill>
                     <a:srgbClr val="000000"/>
                   </a:solidFill>
@@ -47471,7 +47415,7 @@
             </a:ln>
             <a:extLst>
               <a:ext uri="{91240B29-F687-4F45-9708-019B960494DF}">
-                <a14:hiddenLine xmlns="" xmlns:a14="http://schemas.microsoft.com/office/drawing/2010/main" w="9525">
+                <a14:hiddenLine xmlns:a14="http://schemas.microsoft.com/office/drawing/2010/main" w="9525">
                   <a:solidFill>
                     <a:srgbClr val="000000"/>
                   </a:solidFill>
@@ -47518,7 +47462,7 @@
             </a:ln>
             <a:extLst>
               <a:ext uri="{91240B29-F687-4F45-9708-019B960494DF}">
-                <a14:hiddenLine xmlns="" xmlns:a14="http://schemas.microsoft.com/office/drawing/2010/main" w="9525">
+                <a14:hiddenLine xmlns:a14="http://schemas.microsoft.com/office/drawing/2010/main" w="9525">
                   <a:solidFill>
                     <a:srgbClr val="000000"/>
                   </a:solidFill>
@@ -48071,7 +48015,7 @@
             </a:ln>
             <a:extLst>
               <a:ext uri="{91240B29-F687-4F45-9708-019B960494DF}">
-                <a14:hiddenLine xmlns="" xmlns:a14="http://schemas.microsoft.com/office/drawing/2010/main" w="9525">
+                <a14:hiddenLine xmlns:a14="http://schemas.microsoft.com/office/drawing/2010/main" w="9525">
                   <a:solidFill>
                     <a:srgbClr val="000000"/>
                   </a:solidFill>
@@ -48267,7 +48211,7 @@
             </a:ln>
             <a:extLst>
               <a:ext uri="{91240B29-F687-4F45-9708-019B960494DF}">
-                <a14:hiddenLine xmlns="" xmlns:a14="http://schemas.microsoft.com/office/drawing/2010/main" w="9525">
+                <a14:hiddenLine xmlns:a14="http://schemas.microsoft.com/office/drawing/2010/main" w="9525">
                   <a:solidFill>
                     <a:srgbClr val="000000"/>
                   </a:solidFill>
@@ -48363,7 +48307,7 @@
             </a:ln>
             <a:extLst>
               <a:ext uri="{91240B29-F687-4F45-9708-019B960494DF}">
-                <a14:hiddenLine xmlns="" xmlns:a14="http://schemas.microsoft.com/office/drawing/2010/main" w="9525">
+                <a14:hiddenLine xmlns:a14="http://schemas.microsoft.com/office/drawing/2010/main" w="9525">
                   <a:solidFill>
                     <a:srgbClr val="000000"/>
                   </a:solidFill>
@@ -48469,7 +48413,7 @@
             </a:ln>
             <a:extLst>
               <a:ext uri="{91240B29-F687-4F45-9708-019B960494DF}">
-                <a14:hiddenLine xmlns="" xmlns:a14="http://schemas.microsoft.com/office/drawing/2010/main" w="9525">
+                <a14:hiddenLine xmlns:a14="http://schemas.microsoft.com/office/drawing/2010/main" w="9525">
                   <a:solidFill>
                     <a:srgbClr val="000000"/>
                   </a:solidFill>
@@ -48575,7 +48519,7 @@
             </a:ln>
             <a:extLst>
               <a:ext uri="{91240B29-F687-4F45-9708-019B960494DF}">
-                <a14:hiddenLine xmlns="" xmlns:a14="http://schemas.microsoft.com/office/drawing/2010/main" w="9525">
+                <a14:hiddenLine xmlns:a14="http://schemas.microsoft.com/office/drawing/2010/main" w="9525">
                   <a:solidFill>
                     <a:srgbClr val="000000"/>
                   </a:solidFill>
@@ -48691,7 +48635,7 @@
             </a:ln>
             <a:extLst>
               <a:ext uri="{91240B29-F687-4F45-9708-019B960494DF}">
-                <a14:hiddenLine xmlns="" xmlns:a14="http://schemas.microsoft.com/office/drawing/2010/main" w="9525">
+                <a14:hiddenLine xmlns:a14="http://schemas.microsoft.com/office/drawing/2010/main" w="9525">
                   <a:solidFill>
                     <a:srgbClr val="000000"/>
                   </a:solidFill>
@@ -48795,7 +48739,7 @@
             </a:ln>
             <a:extLst>
               <a:ext uri="{91240B29-F687-4F45-9708-019B960494DF}">
-                <a14:hiddenLine xmlns="" xmlns:a14="http://schemas.microsoft.com/office/drawing/2010/main" w="9525">
+                <a14:hiddenLine xmlns:a14="http://schemas.microsoft.com/office/drawing/2010/main" w="9525">
                   <a:solidFill>
                     <a:srgbClr val="000000"/>
                   </a:solidFill>
@@ -48891,7 +48835,7 @@
             </a:ln>
             <a:extLst>
               <a:ext uri="{91240B29-F687-4F45-9708-019B960494DF}">
-                <a14:hiddenLine xmlns="" xmlns:a14="http://schemas.microsoft.com/office/drawing/2010/main" w="9525">
+                <a14:hiddenLine xmlns:a14="http://schemas.microsoft.com/office/drawing/2010/main" w="9525">
                   <a:solidFill>
                     <a:srgbClr val="000000"/>
                   </a:solidFill>
@@ -48997,7 +48941,7 @@
             </a:ln>
             <a:extLst>
               <a:ext uri="{91240B29-F687-4F45-9708-019B960494DF}">
-                <a14:hiddenLine xmlns="" xmlns:a14="http://schemas.microsoft.com/office/drawing/2010/main" w="9525">
+                <a14:hiddenLine xmlns:a14="http://schemas.microsoft.com/office/drawing/2010/main" w="9525">
                   <a:solidFill>
                     <a:srgbClr val="000000"/>
                   </a:solidFill>
@@ -49123,7 +49067,7 @@
             </a:ln>
             <a:extLst>
               <a:ext uri="{91240B29-F687-4F45-9708-019B960494DF}">
-                <a14:hiddenLine xmlns="" xmlns:a14="http://schemas.microsoft.com/office/drawing/2010/main" w="9525">
+                <a14:hiddenLine xmlns:a14="http://schemas.microsoft.com/office/drawing/2010/main" w="9525">
                   <a:solidFill>
                     <a:srgbClr val="000000"/>
                   </a:solidFill>
@@ -49239,7 +49183,7 @@
             </a:ln>
             <a:extLst>
               <a:ext uri="{91240B29-F687-4F45-9708-019B960494DF}">
-                <a14:hiddenLine xmlns="" xmlns:a14="http://schemas.microsoft.com/office/drawing/2010/main" w="9525">
+                <a14:hiddenLine xmlns:a14="http://schemas.microsoft.com/office/drawing/2010/main" w="9525">
                   <a:solidFill>
                     <a:srgbClr val="000000"/>
                   </a:solidFill>
@@ -49335,7 +49279,7 @@
             </a:ln>
             <a:extLst>
               <a:ext uri="{91240B29-F687-4F45-9708-019B960494DF}">
-                <a14:hiddenLine xmlns="" xmlns:a14="http://schemas.microsoft.com/office/drawing/2010/main" w="9525">
+                <a14:hiddenLine xmlns:a14="http://schemas.microsoft.com/office/drawing/2010/main" w="9525">
                   <a:solidFill>
                     <a:srgbClr val="000000"/>
                   </a:solidFill>
@@ -49461,7 +49405,7 @@
             </a:ln>
             <a:extLst>
               <a:ext uri="{91240B29-F687-4F45-9708-019B960494DF}">
-                <a14:hiddenLine xmlns="" xmlns:a14="http://schemas.microsoft.com/office/drawing/2010/main" w="9525">
+                <a14:hiddenLine xmlns:a14="http://schemas.microsoft.com/office/drawing/2010/main" w="9525">
                   <a:solidFill>
                     <a:srgbClr val="000000"/>
                   </a:solidFill>
@@ -49567,7 +49511,7 @@
             </a:ln>
             <a:extLst>
               <a:ext uri="{91240B29-F687-4F45-9708-019B960494DF}">
-                <a14:hiddenLine xmlns="" xmlns:a14="http://schemas.microsoft.com/office/drawing/2010/main" w="9525">
+                <a14:hiddenLine xmlns:a14="http://schemas.microsoft.com/office/drawing/2010/main" w="9525">
                   <a:solidFill>
                     <a:srgbClr val="000000"/>
                   </a:solidFill>
@@ -49673,7 +49617,7 @@
             </a:ln>
             <a:extLst>
               <a:ext uri="{91240B29-F687-4F45-9708-019B960494DF}">
-                <a14:hiddenLine xmlns="" xmlns:a14="http://schemas.microsoft.com/office/drawing/2010/main" w="9525">
+                <a14:hiddenLine xmlns:a14="http://schemas.microsoft.com/office/drawing/2010/main" w="9525">
                   <a:solidFill>
                     <a:srgbClr val="000000"/>
                   </a:solidFill>
@@ -49769,7 +49713,7 @@
             </a:ln>
             <a:extLst>
               <a:ext uri="{91240B29-F687-4F45-9708-019B960494DF}">
-                <a14:hiddenLine xmlns="" xmlns:a14="http://schemas.microsoft.com/office/drawing/2010/main" w="9525">
+                <a14:hiddenLine xmlns:a14="http://schemas.microsoft.com/office/drawing/2010/main" w="9525">
                   <a:solidFill>
                     <a:srgbClr val="000000"/>
                   </a:solidFill>
@@ -49875,7 +49819,7 @@
             </a:ln>
             <a:extLst>
               <a:ext uri="{91240B29-F687-4F45-9708-019B960494DF}">
-                <a14:hiddenLine xmlns="" xmlns:a14="http://schemas.microsoft.com/office/drawing/2010/main" w="9525">
+                <a14:hiddenLine xmlns:a14="http://schemas.microsoft.com/office/drawing/2010/main" w="9525">
                   <a:solidFill>
                     <a:srgbClr val="000000"/>
                   </a:solidFill>
@@ -49981,7 +49925,7 @@
             </a:ln>
             <a:extLst>
               <a:ext uri="{91240B29-F687-4F45-9708-019B960494DF}">
-                <a14:hiddenLine xmlns="" xmlns:a14="http://schemas.microsoft.com/office/drawing/2010/main" w="9525">
+                <a14:hiddenLine xmlns:a14="http://schemas.microsoft.com/office/drawing/2010/main" w="9525">
                   <a:solidFill>
                     <a:srgbClr val="000000"/>
                   </a:solidFill>
@@ -50230,7 +50174,7 @@
             </a:ln>
             <a:extLst>
               <a:ext uri="{91240B29-F687-4F45-9708-019B960494DF}">
-                <a14:hiddenLine xmlns="" xmlns:a14="http://schemas.microsoft.com/office/drawing/2010/main" w="9525">
+                <a14:hiddenLine xmlns:a14="http://schemas.microsoft.com/office/drawing/2010/main" w="9525">
                   <a:solidFill>
                     <a:srgbClr val="000000"/>
                   </a:solidFill>
@@ -50618,7 +50562,7 @@
   <a:extraClrSchemeLst/>
   <a:extLst>
     <a:ext uri="{05A4C25C-085E-4340-85A3-A5531E510DB2}">
-      <thm15:themeFamily xmlns:thm15="http://schemas.microsoft.com/office/thememl/2012/main" xmlns="" name="Office Theme" id="{62F939B6-93AF-4DB8-9C6B-D6C7DFDC589F}" vid="{4A3C46E8-61CC-4603-A589-7422A47A8E4A}"/>
+      <thm15:themeFamily xmlns:thm15="http://schemas.microsoft.com/office/thememl/2012/main" name="Office Theme" id="{62F939B6-93AF-4DB8-9C6B-D6C7DFDC589F}" vid="{4A3C46E8-61CC-4603-A589-7422A47A8E4A}"/>
     </a:ext>
   </a:extLst>
 </a:theme>
@@ -50879,7 +50823,7 @@
   <a:extraClrSchemeLst/>
   <a:extLst>
     <a:ext uri="{05A4C25C-085E-4340-85A3-A5531E510DB2}">
-      <thm15:themeFamily xmlns:thm15="http://schemas.microsoft.com/office/thememl/2012/main" xmlns="" name="Office Theme" id="{62F939B6-93AF-4DB8-9C6B-D6C7DFDC589F}" vid="{4A3C46E8-61CC-4603-A589-7422A47A8E4A}"/>
+      <thm15:themeFamily xmlns:thm15="http://schemas.microsoft.com/office/thememl/2012/main" name="Office Theme" id="{62F939B6-93AF-4DB8-9C6B-D6C7DFDC589F}" vid="{4A3C46E8-61CC-4603-A589-7422A47A8E4A}"/>
     </a:ext>
   </a:extLst>
 </a:theme>
